--- a/H7/Gemfile.pptx
+++ b/H7/Gemfile.pptx
@@ -250,7 +250,7 @@
           <a:p>
             <a:fld id="{913170FB-0D63-49FC-AAD8-2CEECD7B7172}" type="datetimeFigureOut">
               <a:rPr lang="tr-TR" smtClean="0"/>
-              <a:t>26.11.2018</a:t>
+              <a:t>27.11.2018</a:t>
             </a:fld>
             <a:endParaRPr lang="tr-TR"/>
           </a:p>
@@ -418,7 +418,7 @@
           <a:p>
             <a:fld id="{913170FB-0D63-49FC-AAD8-2CEECD7B7172}" type="datetimeFigureOut">
               <a:rPr lang="tr-TR" smtClean="0"/>
-              <a:t>26.11.2018</a:t>
+              <a:t>27.11.2018</a:t>
             </a:fld>
             <a:endParaRPr lang="tr-TR"/>
           </a:p>
@@ -596,7 +596,7 @@
           <a:p>
             <a:fld id="{913170FB-0D63-49FC-AAD8-2CEECD7B7172}" type="datetimeFigureOut">
               <a:rPr lang="tr-TR" smtClean="0"/>
-              <a:t>26.11.2018</a:t>
+              <a:t>27.11.2018</a:t>
             </a:fld>
             <a:endParaRPr lang="tr-TR"/>
           </a:p>
@@ -764,7 +764,7 @@
           <a:p>
             <a:fld id="{913170FB-0D63-49FC-AAD8-2CEECD7B7172}" type="datetimeFigureOut">
               <a:rPr lang="tr-TR" smtClean="0"/>
-              <a:t>26.11.2018</a:t>
+              <a:t>27.11.2018</a:t>
             </a:fld>
             <a:endParaRPr lang="tr-TR"/>
           </a:p>
@@ -1009,7 +1009,7 @@
           <a:p>
             <a:fld id="{913170FB-0D63-49FC-AAD8-2CEECD7B7172}" type="datetimeFigureOut">
               <a:rPr lang="tr-TR" smtClean="0"/>
-              <a:t>26.11.2018</a:t>
+              <a:t>27.11.2018</a:t>
             </a:fld>
             <a:endParaRPr lang="tr-TR"/>
           </a:p>
@@ -1238,7 +1238,7 @@
           <a:p>
             <a:fld id="{913170FB-0D63-49FC-AAD8-2CEECD7B7172}" type="datetimeFigureOut">
               <a:rPr lang="tr-TR" smtClean="0"/>
-              <a:t>26.11.2018</a:t>
+              <a:t>27.11.2018</a:t>
             </a:fld>
             <a:endParaRPr lang="tr-TR"/>
           </a:p>
@@ -1602,7 +1602,7 @@
           <a:p>
             <a:fld id="{913170FB-0D63-49FC-AAD8-2CEECD7B7172}" type="datetimeFigureOut">
               <a:rPr lang="tr-TR" smtClean="0"/>
-              <a:t>26.11.2018</a:t>
+              <a:t>27.11.2018</a:t>
             </a:fld>
             <a:endParaRPr lang="tr-TR"/>
           </a:p>
@@ -1719,7 +1719,7 @@
           <a:p>
             <a:fld id="{913170FB-0D63-49FC-AAD8-2CEECD7B7172}" type="datetimeFigureOut">
               <a:rPr lang="tr-TR" smtClean="0"/>
-              <a:t>26.11.2018</a:t>
+              <a:t>27.11.2018</a:t>
             </a:fld>
             <a:endParaRPr lang="tr-TR"/>
           </a:p>
@@ -1814,7 +1814,7 @@
           <a:p>
             <a:fld id="{913170FB-0D63-49FC-AAD8-2CEECD7B7172}" type="datetimeFigureOut">
               <a:rPr lang="tr-TR" smtClean="0"/>
-              <a:t>26.11.2018</a:t>
+              <a:t>27.11.2018</a:t>
             </a:fld>
             <a:endParaRPr lang="tr-TR"/>
           </a:p>
@@ -2089,7 +2089,7 @@
           <a:p>
             <a:fld id="{913170FB-0D63-49FC-AAD8-2CEECD7B7172}" type="datetimeFigureOut">
               <a:rPr lang="tr-TR" smtClean="0"/>
-              <a:t>26.11.2018</a:t>
+              <a:t>27.11.2018</a:t>
             </a:fld>
             <a:endParaRPr lang="tr-TR"/>
           </a:p>
@@ -2341,7 +2341,7 @@
           <a:p>
             <a:fld id="{913170FB-0D63-49FC-AAD8-2CEECD7B7172}" type="datetimeFigureOut">
               <a:rPr lang="tr-TR" smtClean="0"/>
-              <a:t>26.11.2018</a:t>
+              <a:t>27.11.2018</a:t>
             </a:fld>
             <a:endParaRPr lang="tr-TR"/>
           </a:p>
@@ -2552,7 +2552,7 @@
           <a:p>
             <a:fld id="{913170FB-0D63-49FC-AAD8-2CEECD7B7172}" type="datetimeFigureOut">
               <a:rPr lang="tr-TR" smtClean="0"/>
-              <a:t>26.11.2018</a:t>
+              <a:t>27.11.2018</a:t>
             </a:fld>
             <a:endParaRPr lang="tr-TR"/>
           </a:p>
@@ -3317,55 +3317,61 @@
           <a:bodyPr/>
           <a:lstStyle/>
           <a:p>
-            <a:pPr marL="0" indent="0">
+            <a:r>
+              <a:rPr lang="tr-TR" dirty="0" err="1"/>
+              <a:t>config</a:t>
+            </a:r>
+            <a:r>
+              <a:rPr lang="tr-TR" dirty="0"/>
+              <a:t>/</a:t>
+            </a:r>
+            <a:r>
+              <a:rPr lang="tr-TR" dirty="0" err="1"/>
+              <a:t>routes.rb</a:t>
+            </a:r>
+            <a:endParaRPr lang="tr-TR" dirty="0"/>
+          </a:p>
+          <a:p>
+            <a:pPr marL="0" lvl="1" indent="0">
+              <a:spcBef>
+                <a:spcPts val="1000"/>
+              </a:spcBef>
               <a:buNone/>
             </a:pPr>
             <a:r>
-              <a:rPr lang="tr-TR" dirty="0" err="1"/>
-              <a:t>config</a:t>
-            </a:r>
-            <a:r>
-              <a:rPr lang="tr-TR" dirty="0"/>
-              <a:t>/</a:t>
-            </a:r>
-            <a:r>
-              <a:rPr lang="tr-TR" dirty="0" err="1"/>
-              <a:t>routes.rb</a:t>
-            </a:r>
+              <a:rPr lang="tr-TR" sz="4400" b="1" dirty="0" err="1"/>
+              <a:t>r</a:t>
+            </a:r>
+            <a:r>
+              <a:rPr lang="tr-TR" sz="4400" b="1" dirty="0" err="1" smtClean="0"/>
+              <a:t>oot</a:t>
+            </a:r>
+            <a:r>
+              <a:rPr lang="tr-TR" sz="4400" b="1" dirty="0" smtClean="0"/>
+              <a:t> </a:t>
+            </a:r>
+            <a:r>
+              <a:rPr lang="tr-TR" sz="4400" b="1" dirty="0" smtClean="0"/>
+              <a:t>'</a:t>
+            </a:r>
+            <a:r>
+              <a:rPr lang="tr-TR" sz="4400" b="1" dirty="0" err="1" smtClean="0"/>
+              <a:t>kitaps#index</a:t>
+            </a:r>
+            <a:r>
+              <a:rPr lang="tr-TR" sz="4400" b="1" dirty="0" smtClean="0"/>
+              <a:t>'</a:t>
+            </a:r>
+            <a:endParaRPr lang="tr-TR" sz="4400" b="1" dirty="0"/>
+          </a:p>
+          <a:p>
             <a:endParaRPr lang="tr-TR" dirty="0"/>
           </a:p>
           <a:p>
             <a:endParaRPr lang="tr-TR" dirty="0"/>
           </a:p>
-          <a:p>
-            <a:endParaRPr lang="tr-TR" dirty="0"/>
-          </a:p>
-        </p:txBody>
-      </p:sp>
-      <p:pic>
-        <p:nvPicPr>
-          <p:cNvPr id="5" name="Resim 4"/>
-          <p:cNvPicPr>
-            <a:picLocks noChangeAspect="1"/>
-          </p:cNvPicPr>
-          <p:nvPr/>
-        </p:nvPicPr>
-        <p:blipFill>
-          <a:blip r:embed="rId2"/>
-          <a:stretch>
-            <a:fillRect/>
-          </a:stretch>
-        </p:blipFill>
-        <p:spPr>
-          <a:xfrm>
-            <a:off x="838200" y="2517431"/>
-            <a:ext cx="8117234" cy="2425271"/>
-          </a:xfrm>
-          <a:prstGeom prst="rect">
-            <a:avLst/>
-          </a:prstGeom>
-        </p:spPr>
-      </p:pic>
+        </p:txBody>
+      </p:sp>
     </p:spTree>
     <p:extLst>
       <p:ext uri="{BB962C8B-B14F-4D97-AF65-F5344CB8AC3E}">
@@ -3483,6 +3489,33 @@
               <a:rPr lang="tr-TR" dirty="0"/>
               <a:t> </a:t>
             </a:r>
+            <a:endParaRPr lang="tr-TR" dirty="0" smtClean="0"/>
+          </a:p>
+          <a:p>
+            <a:pPr marL="457200" lvl="1" indent="0">
+              <a:buNone/>
+            </a:pPr>
+            <a:r>
+              <a:rPr lang="tr-TR" b="1" dirty="0"/>
+              <a:t>#</a:t>
+            </a:r>
+            <a:r>
+              <a:rPr lang="tr-TR" b="1" dirty="0" err="1" smtClean="0"/>
+              <a:t>resources</a:t>
+            </a:r>
+            <a:r>
+              <a:rPr lang="tr-TR" b="1" dirty="0" smtClean="0"/>
+              <a:t> </a:t>
+            </a:r>
+            <a:r>
+              <a:rPr lang="tr-TR" b="1" dirty="0"/>
+              <a:t>:</a:t>
+            </a:r>
+            <a:r>
+              <a:rPr lang="tr-TR" b="1" dirty="0" err="1"/>
+              <a:t>kitaps</a:t>
+            </a:r>
+            <a:endParaRPr lang="tr-TR" dirty="0"/>
           </a:p>
           <a:p>
             <a:pPr marL="457200" lvl="1" indent="0">
@@ -3493,27 +3526,27 @@
               <a:t> </a:t>
             </a:r>
             <a:r>
-              <a:rPr lang="tr-TR" b="1" dirty="0" err="1"/>
+              <a:rPr lang="tr-TR" sz="4000" b="1" dirty="0" err="1"/>
               <a:t>resources</a:t>
             </a:r>
             <a:r>
-              <a:rPr lang="tr-TR" b="1" dirty="0"/>
+              <a:rPr lang="tr-TR" sz="4000" b="1" dirty="0"/>
               <a:t> :</a:t>
             </a:r>
             <a:r>
-              <a:rPr lang="tr-TR" b="1" dirty="0" err="1"/>
+              <a:rPr lang="tr-TR" sz="4000" b="1" dirty="0" err="1"/>
               <a:t>kitaps</a:t>
             </a:r>
             <a:r>
-              <a:rPr lang="tr-TR" b="1" dirty="0"/>
+              <a:rPr lang="tr-TR" sz="4000" b="1" dirty="0"/>
               <a:t>, :</a:t>
             </a:r>
             <a:r>
-              <a:rPr lang="tr-TR" b="1" dirty="0" err="1"/>
+              <a:rPr lang="tr-TR" sz="4000" b="1" dirty="0" err="1"/>
               <a:t>path</a:t>
             </a:r>
             <a:r>
-              <a:rPr lang="tr-TR" b="1" dirty="0"/>
+              <a:rPr lang="tr-TR" sz="4000" b="1" dirty="0"/>
               <a:t> =&gt; "kitaplar"</a:t>
             </a:r>
           </a:p>
@@ -4080,13 +4113,31 @@
               <a:t>gem "</a:t>
             </a:r>
             <a:r>
-              <a:rPr lang="tr-TR" dirty="0" err="1"/>
+              <a:rPr lang="tr-TR" dirty="0" err="1" smtClean="0"/>
               <a:t>devise</a:t>
             </a:r>
             <a:r>
-              <a:rPr lang="tr-TR" dirty="0"/>
-              <a:t>"</a:t>
-            </a:r>
+              <a:rPr lang="tr-TR" dirty="0" smtClean="0"/>
+              <a:t>«</a:t>
+            </a:r>
+          </a:p>
+          <a:p>
+            <a:pPr marL="457200" lvl="1" indent="0">
+              <a:buNone/>
+            </a:pPr>
+            <a:r>
+              <a:rPr lang="tr-TR" dirty="0" err="1" smtClean="0"/>
+              <a:t>bundle</a:t>
+            </a:r>
+            <a:r>
+              <a:rPr lang="tr-TR" dirty="0" smtClean="0"/>
+              <a:t> </a:t>
+            </a:r>
+            <a:r>
+              <a:rPr lang="tr-TR" dirty="0" err="1" smtClean="0"/>
+              <a:t>install</a:t>
+            </a:r>
+            <a:endParaRPr lang="tr-TR" dirty="0"/>
           </a:p>
           <a:p>
             <a:pPr marL="914400" lvl="1" indent="-457200">
@@ -4155,8 +4206,31 @@
               <a:t> g </a:t>
             </a:r>
             <a:r>
-              <a:rPr lang="tr-TR" dirty="0" err="1"/>
+              <a:rPr lang="tr-TR" dirty="0" err="1" smtClean="0"/>
               <a:t>devise:views</a:t>
+            </a:r>
+            <a:endParaRPr lang="tr-TR" dirty="0" smtClean="0"/>
+          </a:p>
+          <a:p>
+            <a:pPr marL="514350" indent="-514350">
+              <a:buFont typeface="+mj-lt"/>
+              <a:buAutoNum type="arabicPeriod"/>
+            </a:pPr>
+            <a:r>
+              <a:rPr lang="tr-TR" dirty="0" err="1"/>
+              <a:t>r</a:t>
+            </a:r>
+            <a:r>
+              <a:rPr lang="tr-TR" dirty="0" err="1" smtClean="0"/>
+              <a:t>ake</a:t>
+            </a:r>
+            <a:r>
+              <a:rPr lang="tr-TR" dirty="0" smtClean="0"/>
+              <a:t> </a:t>
+            </a:r>
+            <a:r>
+              <a:rPr lang="tr-TR" dirty="0" err="1" smtClean="0"/>
+              <a:t>db:migrate</a:t>
             </a:r>
             <a:endParaRPr lang="tr-TR" dirty="0"/>
           </a:p>
@@ -4288,31 +4362,31 @@
               <a:buNone/>
             </a:pPr>
             <a:r>
-              <a:rPr lang="tr-TR" sz="1900" b="1" dirty="0"/>
+              <a:rPr lang="tr-TR" sz="1900" b="1" dirty="0" smtClean="0"/>
               <a:t>&lt;p </a:t>
             </a:r>
             <a:r>
-              <a:rPr lang="tr-TR" sz="1900" b="1" dirty="0" err="1"/>
+              <a:rPr lang="tr-TR" sz="1900" b="1" dirty="0" err="1" smtClean="0"/>
               <a:t>class</a:t>
             </a:r>
             <a:r>
-              <a:rPr lang="tr-TR" sz="1900" b="1" dirty="0"/>
+              <a:rPr lang="tr-TR" sz="1900" b="1" dirty="0" smtClean="0"/>
               <a:t>="</a:t>
             </a:r>
             <a:r>
-              <a:rPr lang="tr-TR" sz="1900" b="1" dirty="0" err="1"/>
+              <a:rPr lang="tr-TR" sz="1900" b="1" dirty="0" err="1" smtClean="0"/>
               <a:t>navbar-text</a:t>
             </a:r>
             <a:r>
-              <a:rPr lang="tr-TR" sz="1900" b="1" dirty="0"/>
+              <a:rPr lang="tr-TR" sz="1900" b="1" dirty="0" smtClean="0"/>
               <a:t> </a:t>
             </a:r>
             <a:r>
-              <a:rPr lang="tr-TR" sz="1900" b="1" dirty="0" err="1"/>
+              <a:rPr lang="tr-TR" sz="1900" b="1" dirty="0" err="1" smtClean="0"/>
               <a:t>pull-right</a:t>
             </a:r>
             <a:r>
-              <a:rPr lang="tr-TR" sz="1900" b="1" dirty="0"/>
+              <a:rPr lang="tr-TR" sz="1900" b="1" dirty="0" smtClean="0"/>
               <a:t>"&gt;</a:t>
             </a:r>
           </a:p>
@@ -4321,23 +4395,23 @@
               <a:buNone/>
             </a:pPr>
             <a:r>
-              <a:rPr lang="tr-TR" sz="1900" b="1" dirty="0"/>
+              <a:rPr lang="tr-TR" sz="1900" b="1" dirty="0" smtClean="0"/>
               <a:t>&lt;% </a:t>
             </a:r>
             <a:r>
-              <a:rPr lang="tr-TR" sz="1900" b="1" dirty="0" err="1"/>
+              <a:rPr lang="tr-TR" sz="1900" b="1" dirty="0" err="1" smtClean="0"/>
               <a:t>if</a:t>
             </a:r>
             <a:r>
-              <a:rPr lang="tr-TR" sz="1900" b="1" dirty="0"/>
+              <a:rPr lang="tr-TR" sz="1900" b="1" dirty="0" smtClean="0"/>
               <a:t> </a:t>
             </a:r>
             <a:r>
-              <a:rPr lang="tr-TR" sz="1900" b="1" dirty="0" err="1"/>
+              <a:rPr lang="tr-TR" sz="1900" b="1" dirty="0" err="1" smtClean="0"/>
               <a:t>user_signed_in</a:t>
             </a:r>
             <a:r>
-              <a:rPr lang="tr-TR" sz="1900" b="1" dirty="0"/>
+              <a:rPr lang="tr-TR" sz="1900" b="1" dirty="0" smtClean="0"/>
               <a:t>? %&gt;</a:t>
             </a:r>
           </a:p>
@@ -4346,39 +4420,39 @@
               <a:buNone/>
             </a:pPr>
             <a:r>
-              <a:rPr lang="tr-TR" sz="1900" b="1" dirty="0"/>
+              <a:rPr lang="tr-TR" sz="1900" b="1" dirty="0" smtClean="0"/>
               <a:t>  </a:t>
             </a:r>
             <a:r>
-              <a:rPr lang="tr-TR" sz="1900" b="1" dirty="0" err="1"/>
+              <a:rPr lang="tr-TR" sz="1900" b="1" dirty="0" err="1" smtClean="0"/>
               <a:t>Logged</a:t>
             </a:r>
             <a:r>
-              <a:rPr lang="tr-TR" sz="1900" b="1" dirty="0"/>
+              <a:rPr lang="tr-TR" sz="1900" b="1" dirty="0" smtClean="0"/>
               <a:t> in as &lt;</a:t>
             </a:r>
             <a:r>
-              <a:rPr lang="tr-TR" sz="1900" b="1" dirty="0" err="1"/>
+              <a:rPr lang="tr-TR" sz="1900" b="1" dirty="0" err="1" smtClean="0"/>
               <a:t>strong</a:t>
             </a:r>
             <a:r>
-              <a:rPr lang="tr-TR" sz="1900" b="1" dirty="0"/>
+              <a:rPr lang="tr-TR" sz="1900" b="1" dirty="0" smtClean="0"/>
               <a:t>&gt;&lt;%= </a:t>
             </a:r>
             <a:r>
-              <a:rPr lang="tr-TR" sz="1900" b="1" dirty="0" err="1"/>
+              <a:rPr lang="tr-TR" sz="1900" b="1" dirty="0" err="1" smtClean="0"/>
               <a:t>current_user.email</a:t>
             </a:r>
             <a:r>
-              <a:rPr lang="tr-TR" sz="1900" b="1" dirty="0"/>
+              <a:rPr lang="tr-TR" sz="1900" b="1" dirty="0" smtClean="0"/>
               <a:t> %&gt;&lt;/</a:t>
             </a:r>
             <a:r>
-              <a:rPr lang="tr-TR" sz="1900" b="1" dirty="0" err="1"/>
+              <a:rPr lang="tr-TR" sz="1900" b="1" dirty="0" err="1" smtClean="0"/>
               <a:t>strong</a:t>
             </a:r>
             <a:r>
-              <a:rPr lang="tr-TR" sz="1900" b="1" dirty="0"/>
+              <a:rPr lang="tr-TR" sz="1900" b="1" dirty="0" smtClean="0"/>
               <a:t>&gt;.</a:t>
             </a:r>
           </a:p>
@@ -4387,47 +4461,47 @@
               <a:buNone/>
             </a:pPr>
             <a:r>
-              <a:rPr lang="tr-TR" sz="1900" b="1" dirty="0"/>
+              <a:rPr lang="tr-TR" sz="1900" b="1" dirty="0" smtClean="0"/>
               <a:t>  &lt;%= </a:t>
             </a:r>
             <a:r>
-              <a:rPr lang="tr-TR" sz="1900" b="1" dirty="0" err="1"/>
+              <a:rPr lang="tr-TR" sz="1900" b="1" dirty="0" err="1" smtClean="0"/>
               <a:t>link_to</a:t>
             </a:r>
             <a:r>
-              <a:rPr lang="tr-TR" sz="1900" b="1" dirty="0"/>
+              <a:rPr lang="tr-TR" sz="1900" b="1" dirty="0" smtClean="0"/>
               <a:t> '</a:t>
             </a:r>
             <a:r>
-              <a:rPr lang="tr-TR" sz="1900" b="1" dirty="0" err="1"/>
+              <a:rPr lang="tr-TR" sz="1900" b="1" dirty="0" err="1" smtClean="0"/>
               <a:t>Edit</a:t>
             </a:r>
             <a:r>
-              <a:rPr lang="tr-TR" sz="1900" b="1" dirty="0"/>
+              <a:rPr lang="tr-TR" sz="1900" b="1" dirty="0" smtClean="0"/>
               <a:t> profile', </a:t>
             </a:r>
             <a:r>
-              <a:rPr lang="tr-TR" sz="1900" b="1" dirty="0" err="1"/>
+              <a:rPr lang="tr-TR" sz="1900" b="1" dirty="0" err="1" smtClean="0"/>
               <a:t>edit_user_registration_path</a:t>
             </a:r>
             <a:r>
-              <a:rPr lang="tr-TR" sz="1900" b="1" dirty="0"/>
+              <a:rPr lang="tr-TR" sz="1900" b="1" dirty="0" smtClean="0"/>
               <a:t>, :</a:t>
             </a:r>
             <a:r>
-              <a:rPr lang="tr-TR" sz="1900" b="1" dirty="0" err="1"/>
+              <a:rPr lang="tr-TR" sz="1900" b="1" dirty="0" err="1" smtClean="0"/>
               <a:t>class</a:t>
             </a:r>
             <a:r>
-              <a:rPr lang="tr-TR" sz="1900" b="1" dirty="0"/>
+              <a:rPr lang="tr-TR" sz="1900" b="1" dirty="0" smtClean="0"/>
               <a:t> =&gt; '</a:t>
             </a:r>
             <a:r>
-              <a:rPr lang="tr-TR" sz="1900" b="1" dirty="0" err="1"/>
+              <a:rPr lang="tr-TR" sz="1900" b="1" dirty="0" err="1" smtClean="0"/>
               <a:t>navbar</a:t>
             </a:r>
             <a:r>
-              <a:rPr lang="tr-TR" sz="1900" b="1" dirty="0"/>
+              <a:rPr lang="tr-TR" sz="1900" b="1" dirty="0" smtClean="0"/>
               <a:t>-link' %&gt; |</a:t>
             </a:r>
           </a:p>
@@ -4436,63 +4510,63 @@
               <a:buNone/>
             </a:pPr>
             <a:r>
-              <a:rPr lang="tr-TR" sz="1900" b="1" dirty="0"/>
+              <a:rPr lang="tr-TR" sz="1900" b="1" dirty="0" smtClean="0"/>
               <a:t>  &lt;%= </a:t>
             </a:r>
             <a:r>
-              <a:rPr lang="tr-TR" sz="1900" b="1" dirty="0" err="1"/>
+              <a:rPr lang="tr-TR" sz="1900" b="1" dirty="0" err="1" smtClean="0"/>
               <a:t>link_to</a:t>
             </a:r>
             <a:r>
-              <a:rPr lang="tr-TR" sz="1900" b="1" dirty="0"/>
+              <a:rPr lang="tr-TR" sz="1900" b="1" dirty="0" smtClean="0"/>
               <a:t> "</a:t>
             </a:r>
             <a:r>
-              <a:rPr lang="tr-TR" sz="1900" b="1" dirty="0" err="1"/>
+              <a:rPr lang="tr-TR" sz="1900" b="1" dirty="0" err="1" smtClean="0"/>
               <a:t>Logout</a:t>
             </a:r>
             <a:r>
-              <a:rPr lang="tr-TR" sz="1900" b="1" dirty="0"/>
+              <a:rPr lang="tr-TR" sz="1900" b="1" dirty="0" smtClean="0"/>
               <a:t>", </a:t>
             </a:r>
             <a:r>
-              <a:rPr lang="tr-TR" sz="1900" b="1" dirty="0" err="1"/>
+              <a:rPr lang="tr-TR" sz="1900" b="1" dirty="0" err="1" smtClean="0"/>
               <a:t>destroy_user_session_path</a:t>
             </a:r>
             <a:r>
-              <a:rPr lang="tr-TR" sz="1900" b="1" dirty="0"/>
+              <a:rPr lang="tr-TR" sz="1900" b="1" dirty="0" smtClean="0"/>
               <a:t>, </a:t>
             </a:r>
             <a:r>
-              <a:rPr lang="tr-TR" sz="1900" b="1" dirty="0" err="1"/>
+              <a:rPr lang="tr-TR" sz="1900" b="1" dirty="0" err="1" smtClean="0"/>
               <a:t>method</a:t>
             </a:r>
             <a:r>
-              <a:rPr lang="tr-TR" sz="1900" b="1" dirty="0"/>
+              <a:rPr lang="tr-TR" sz="1900" b="1" dirty="0" smtClean="0"/>
               <a:t>: :</a:t>
             </a:r>
             <a:r>
-              <a:rPr lang="tr-TR" sz="1900" b="1" dirty="0" err="1"/>
+              <a:rPr lang="tr-TR" sz="1900" b="1" dirty="0" err="1" smtClean="0"/>
               <a:t>delete</a:t>
             </a:r>
             <a:r>
-              <a:rPr lang="tr-TR" sz="1900" b="1" dirty="0"/>
+              <a:rPr lang="tr-TR" sz="1900" b="1" dirty="0" smtClean="0"/>
               <a:t>, :</a:t>
             </a:r>
             <a:r>
-              <a:rPr lang="tr-TR" sz="1900" b="1" dirty="0" err="1"/>
+              <a:rPr lang="tr-TR" sz="1900" b="1" dirty="0" err="1" smtClean="0"/>
               <a:t>class</a:t>
             </a:r>
             <a:r>
-              <a:rPr lang="tr-TR" sz="1900" b="1" dirty="0"/>
+              <a:rPr lang="tr-TR" sz="1900" b="1" dirty="0" smtClean="0"/>
               <a:t> =&gt; '</a:t>
             </a:r>
             <a:r>
-              <a:rPr lang="tr-TR" sz="1900" b="1" dirty="0" err="1"/>
+              <a:rPr lang="tr-TR" sz="1900" b="1" dirty="0" err="1" smtClean="0"/>
               <a:t>navbar</a:t>
             </a:r>
             <a:r>
-              <a:rPr lang="tr-TR" sz="1900" b="1" dirty="0"/>
+              <a:rPr lang="tr-TR" sz="1900" b="1" dirty="0" smtClean="0"/>
               <a:t>-link'  %&gt;</a:t>
             </a:r>
           </a:p>
@@ -4501,7 +4575,7 @@
               <a:buNone/>
             </a:pPr>
             <a:r>
-              <a:rPr lang="tr-TR" sz="1900" b="1" dirty="0"/>
+              <a:rPr lang="tr-TR" sz="1900" b="1" dirty="0" smtClean="0"/>
               <a:t>&lt;% else %&gt;</a:t>
             </a:r>
           </a:p>
@@ -4510,55 +4584,55 @@
               <a:buNone/>
             </a:pPr>
             <a:r>
-              <a:rPr lang="tr-TR" sz="1900" b="1" dirty="0"/>
+              <a:rPr lang="tr-TR" sz="1900" b="1" dirty="0" smtClean="0"/>
               <a:t>  &lt;%= </a:t>
             </a:r>
             <a:r>
-              <a:rPr lang="tr-TR" sz="1900" b="1" dirty="0" err="1"/>
+              <a:rPr lang="tr-TR" sz="1900" b="1" dirty="0" err="1" smtClean="0"/>
               <a:t>link_to</a:t>
             </a:r>
             <a:r>
-              <a:rPr lang="tr-TR" sz="1900" b="1" dirty="0"/>
+              <a:rPr lang="tr-TR" sz="1900" b="1" dirty="0" smtClean="0"/>
               <a:t> "</a:t>
             </a:r>
             <a:r>
-              <a:rPr lang="tr-TR" sz="1900" b="1" dirty="0" err="1"/>
+              <a:rPr lang="tr-TR" sz="1900" b="1" dirty="0" err="1" smtClean="0"/>
               <a:t>Sign</a:t>
             </a:r>
             <a:r>
-              <a:rPr lang="tr-TR" sz="1900" b="1" dirty="0"/>
+              <a:rPr lang="tr-TR" sz="1900" b="1" dirty="0" smtClean="0"/>
               <a:t> </a:t>
             </a:r>
             <a:r>
-              <a:rPr lang="tr-TR" sz="1900" b="1" dirty="0" err="1"/>
+              <a:rPr lang="tr-TR" sz="1900" b="1" dirty="0" err="1" smtClean="0"/>
               <a:t>up</a:t>
             </a:r>
             <a:r>
-              <a:rPr lang="tr-TR" sz="1900" b="1" dirty="0"/>
+              <a:rPr lang="tr-TR" sz="1900" b="1" dirty="0" smtClean="0"/>
               <a:t>", </a:t>
             </a:r>
             <a:r>
-              <a:rPr lang="tr-TR" sz="1900" b="1" dirty="0" err="1"/>
+              <a:rPr lang="tr-TR" sz="1900" b="1" dirty="0" err="1" smtClean="0"/>
               <a:t>new_user_registration_path</a:t>
             </a:r>
             <a:r>
-              <a:rPr lang="tr-TR" sz="1900" b="1" dirty="0"/>
+              <a:rPr lang="tr-TR" sz="1900" b="1" dirty="0" smtClean="0"/>
               <a:t>, :</a:t>
             </a:r>
             <a:r>
-              <a:rPr lang="tr-TR" sz="1900" b="1" dirty="0" err="1"/>
+              <a:rPr lang="tr-TR" sz="1900" b="1" dirty="0" err="1" smtClean="0"/>
               <a:t>class</a:t>
             </a:r>
             <a:r>
-              <a:rPr lang="tr-TR" sz="1900" b="1" dirty="0"/>
+              <a:rPr lang="tr-TR" sz="1900" b="1" dirty="0" smtClean="0"/>
               <a:t> =&gt; '</a:t>
             </a:r>
             <a:r>
-              <a:rPr lang="tr-TR" sz="1900" b="1" dirty="0" err="1"/>
+              <a:rPr lang="tr-TR" sz="1900" b="1" dirty="0" err="1" smtClean="0"/>
               <a:t>navbar</a:t>
             </a:r>
             <a:r>
-              <a:rPr lang="tr-TR" sz="1900" b="1" dirty="0"/>
+              <a:rPr lang="tr-TR" sz="1900" b="1" dirty="0" smtClean="0"/>
               <a:t>-link'  %&gt; |</a:t>
             </a:r>
           </a:p>
@@ -4567,47 +4641,47 @@
               <a:buNone/>
             </a:pPr>
             <a:r>
-              <a:rPr lang="tr-TR" sz="1900" b="1" dirty="0"/>
+              <a:rPr lang="tr-TR" sz="1900" b="1" dirty="0" smtClean="0"/>
               <a:t>  &lt;%= </a:t>
             </a:r>
             <a:r>
-              <a:rPr lang="tr-TR" sz="1900" b="1" dirty="0" err="1"/>
+              <a:rPr lang="tr-TR" sz="1900" b="1" dirty="0" err="1" smtClean="0"/>
               <a:t>link_to</a:t>
             </a:r>
             <a:r>
-              <a:rPr lang="tr-TR" sz="1900" b="1" dirty="0"/>
+              <a:rPr lang="tr-TR" sz="1900" b="1" dirty="0" smtClean="0"/>
               <a:t> "</a:t>
             </a:r>
             <a:r>
-              <a:rPr lang="tr-TR" sz="1900" b="1" dirty="0" err="1"/>
+              <a:rPr lang="tr-TR" sz="1900" b="1" dirty="0" err="1" smtClean="0"/>
               <a:t>Login</a:t>
             </a:r>
             <a:r>
-              <a:rPr lang="tr-TR" sz="1900" b="1" dirty="0"/>
+              <a:rPr lang="tr-TR" sz="1900" b="1" dirty="0" smtClean="0"/>
               <a:t>", </a:t>
             </a:r>
             <a:r>
-              <a:rPr lang="tr-TR" sz="1900" b="1" dirty="0" err="1"/>
+              <a:rPr lang="tr-TR" sz="1900" b="1" dirty="0" err="1" smtClean="0"/>
               <a:t>new_user_session_path</a:t>
             </a:r>
             <a:r>
-              <a:rPr lang="tr-TR" sz="1900" b="1" dirty="0"/>
+              <a:rPr lang="tr-TR" sz="1900" b="1" dirty="0" smtClean="0"/>
               <a:t>, :</a:t>
             </a:r>
             <a:r>
-              <a:rPr lang="tr-TR" sz="1900" b="1" dirty="0" err="1"/>
+              <a:rPr lang="tr-TR" sz="1900" b="1" dirty="0" err="1" smtClean="0"/>
               <a:t>class</a:t>
             </a:r>
             <a:r>
-              <a:rPr lang="tr-TR" sz="1900" b="1" dirty="0"/>
+              <a:rPr lang="tr-TR" sz="1900" b="1" dirty="0" smtClean="0"/>
               <a:t> =&gt; '</a:t>
             </a:r>
             <a:r>
-              <a:rPr lang="tr-TR" sz="1900" b="1" dirty="0" err="1"/>
+              <a:rPr lang="tr-TR" sz="1900" b="1" dirty="0" err="1" smtClean="0"/>
               <a:t>navbar</a:t>
             </a:r>
             <a:r>
-              <a:rPr lang="tr-TR" sz="1900" b="1" dirty="0"/>
+              <a:rPr lang="tr-TR" sz="1900" b="1" dirty="0" smtClean="0"/>
               <a:t>-link'  %&gt;</a:t>
             </a:r>
           </a:p>
@@ -4616,15 +4690,15 @@
               <a:buNone/>
             </a:pPr>
             <a:r>
-              <a:rPr lang="tr-TR" sz="1900" b="1" dirty="0"/>
+              <a:rPr lang="tr-TR" sz="1900" b="1" dirty="0" smtClean="0"/>
               <a:t>&lt;% </a:t>
             </a:r>
             <a:r>
-              <a:rPr lang="tr-TR" sz="1900" b="1" dirty="0" err="1"/>
+              <a:rPr lang="tr-TR" sz="1900" b="1" dirty="0" err="1" smtClean="0"/>
               <a:t>end</a:t>
             </a:r>
             <a:r>
-              <a:rPr lang="tr-TR" sz="1900" b="1" dirty="0"/>
+              <a:rPr lang="tr-TR" sz="1900" b="1" dirty="0" smtClean="0"/>
               <a:t> %&gt;</a:t>
             </a:r>
           </a:p>
@@ -4633,7 +4707,7 @@
               <a:buNone/>
             </a:pPr>
             <a:r>
-              <a:rPr lang="tr-TR" sz="1900" b="1" dirty="0"/>
+              <a:rPr lang="tr-TR" sz="1900" b="1" dirty="0" smtClean="0"/>
               <a:t>&lt;/p&gt;</a:t>
             </a:r>
           </a:p>

--- a/H7/Gemfile.pptx
+++ b/H7/Gemfile.pptx
@@ -250,7 +250,7 @@
           <a:p>
             <a:fld id="{913170FB-0D63-49FC-AAD8-2CEECD7B7172}" type="datetimeFigureOut">
               <a:rPr lang="tr-TR" smtClean="0"/>
-              <a:t>27.11.2018</a:t>
+              <a:t>30.11.2018</a:t>
             </a:fld>
             <a:endParaRPr lang="tr-TR"/>
           </a:p>
@@ -418,7 +418,7 @@
           <a:p>
             <a:fld id="{913170FB-0D63-49FC-AAD8-2CEECD7B7172}" type="datetimeFigureOut">
               <a:rPr lang="tr-TR" smtClean="0"/>
-              <a:t>27.11.2018</a:t>
+              <a:t>30.11.2018</a:t>
             </a:fld>
             <a:endParaRPr lang="tr-TR"/>
           </a:p>
@@ -596,7 +596,7 @@
           <a:p>
             <a:fld id="{913170FB-0D63-49FC-AAD8-2CEECD7B7172}" type="datetimeFigureOut">
               <a:rPr lang="tr-TR" smtClean="0"/>
-              <a:t>27.11.2018</a:t>
+              <a:t>30.11.2018</a:t>
             </a:fld>
             <a:endParaRPr lang="tr-TR"/>
           </a:p>
@@ -764,7 +764,7 @@
           <a:p>
             <a:fld id="{913170FB-0D63-49FC-AAD8-2CEECD7B7172}" type="datetimeFigureOut">
               <a:rPr lang="tr-TR" smtClean="0"/>
-              <a:t>27.11.2018</a:t>
+              <a:t>30.11.2018</a:t>
             </a:fld>
             <a:endParaRPr lang="tr-TR"/>
           </a:p>
@@ -1009,7 +1009,7 @@
           <a:p>
             <a:fld id="{913170FB-0D63-49FC-AAD8-2CEECD7B7172}" type="datetimeFigureOut">
               <a:rPr lang="tr-TR" smtClean="0"/>
-              <a:t>27.11.2018</a:t>
+              <a:t>30.11.2018</a:t>
             </a:fld>
             <a:endParaRPr lang="tr-TR"/>
           </a:p>
@@ -1238,7 +1238,7 @@
           <a:p>
             <a:fld id="{913170FB-0D63-49FC-AAD8-2CEECD7B7172}" type="datetimeFigureOut">
               <a:rPr lang="tr-TR" smtClean="0"/>
-              <a:t>27.11.2018</a:t>
+              <a:t>30.11.2018</a:t>
             </a:fld>
             <a:endParaRPr lang="tr-TR"/>
           </a:p>
@@ -1602,7 +1602,7 @@
           <a:p>
             <a:fld id="{913170FB-0D63-49FC-AAD8-2CEECD7B7172}" type="datetimeFigureOut">
               <a:rPr lang="tr-TR" smtClean="0"/>
-              <a:t>27.11.2018</a:t>
+              <a:t>30.11.2018</a:t>
             </a:fld>
             <a:endParaRPr lang="tr-TR"/>
           </a:p>
@@ -1719,7 +1719,7 @@
           <a:p>
             <a:fld id="{913170FB-0D63-49FC-AAD8-2CEECD7B7172}" type="datetimeFigureOut">
               <a:rPr lang="tr-TR" smtClean="0"/>
-              <a:t>27.11.2018</a:t>
+              <a:t>30.11.2018</a:t>
             </a:fld>
             <a:endParaRPr lang="tr-TR"/>
           </a:p>
@@ -1814,7 +1814,7 @@
           <a:p>
             <a:fld id="{913170FB-0D63-49FC-AAD8-2CEECD7B7172}" type="datetimeFigureOut">
               <a:rPr lang="tr-TR" smtClean="0"/>
-              <a:t>27.11.2018</a:t>
+              <a:t>30.11.2018</a:t>
             </a:fld>
             <a:endParaRPr lang="tr-TR"/>
           </a:p>
@@ -2089,7 +2089,7 @@
           <a:p>
             <a:fld id="{913170FB-0D63-49FC-AAD8-2CEECD7B7172}" type="datetimeFigureOut">
               <a:rPr lang="tr-TR" smtClean="0"/>
-              <a:t>27.11.2018</a:t>
+              <a:t>30.11.2018</a:t>
             </a:fld>
             <a:endParaRPr lang="tr-TR"/>
           </a:p>
@@ -2341,7 +2341,7 @@
           <a:p>
             <a:fld id="{913170FB-0D63-49FC-AAD8-2CEECD7B7172}" type="datetimeFigureOut">
               <a:rPr lang="tr-TR" smtClean="0"/>
-              <a:t>27.11.2018</a:t>
+              <a:t>30.11.2018</a:t>
             </a:fld>
             <a:endParaRPr lang="tr-TR"/>
           </a:p>
@@ -2552,7 +2552,7 @@
           <a:p>
             <a:fld id="{913170FB-0D63-49FC-AAD8-2CEECD7B7172}" type="datetimeFigureOut">
               <a:rPr lang="tr-TR" smtClean="0"/>
-              <a:t>27.11.2018</a:t>
+              <a:t>30.11.2018</a:t>
             </a:fld>
             <a:endParaRPr lang="tr-TR"/>
           </a:p>
@@ -3348,11 +3348,7 @@
             </a:r>
             <a:r>
               <a:rPr lang="tr-TR" sz="4400" b="1" dirty="0" smtClean="0"/>
-              <a:t> </a:t>
-            </a:r>
-            <a:r>
-              <a:rPr lang="tr-TR" sz="4400" b="1" dirty="0" smtClean="0"/>
-              <a:t>'</a:t>
+              <a:t> '</a:t>
             </a:r>
             <a:r>
               <a:rPr lang="tr-TR" sz="4400" b="1" dirty="0" err="1" smtClean="0"/>
@@ -4113,13 +4109,14 @@
               <a:t>gem "</a:t>
             </a:r>
             <a:r>
-              <a:rPr lang="tr-TR" dirty="0" err="1" smtClean="0"/>
+              <a:rPr lang="tr-TR" dirty="0" err="1"/>
               <a:t>devise</a:t>
             </a:r>
             <a:r>
-              <a:rPr lang="tr-TR" dirty="0" smtClean="0"/>
-              <a:t>«</a:t>
-            </a:r>
+              <a:rPr lang="tr-TR" dirty="0"/>
+              <a:t> "</a:t>
+            </a:r>
+            <a:endParaRPr lang="tr-TR" dirty="0" smtClean="0"/>
           </a:p>
           <a:p>
             <a:pPr marL="457200" lvl="1" indent="0">
@@ -4305,7 +4302,7 @@
         <p:spPr/>
         <p:txBody>
           <a:bodyPr>
-            <a:normAutofit/>
+            <a:normAutofit fontScale="85000" lnSpcReduction="20000"/>
           </a:bodyPr>
           <a:lstStyle/>
           <a:p>
@@ -4362,356 +4359,1185 @@
               <a:buNone/>
             </a:pPr>
             <a:r>
-              <a:rPr lang="tr-TR" sz="1900" b="1" dirty="0" smtClean="0"/>
-              <a:t>&lt;p </a:t>
-            </a:r>
-            <a:r>
-              <a:rPr lang="tr-TR" sz="1900" b="1" dirty="0" err="1" smtClean="0"/>
+              <a:rPr lang="tr-TR" sz="1900" b="1" dirty="0"/>
+              <a:t> &lt;</a:t>
+            </a:r>
+            <a:r>
+              <a:rPr lang="tr-TR" sz="1900" b="1" dirty="0" err="1"/>
+              <a:t>nav</a:t>
+            </a:r>
+            <a:r>
+              <a:rPr lang="tr-TR" sz="1900" b="1" dirty="0"/>
+              <a:t> </a:t>
+            </a:r>
+            <a:r>
+              <a:rPr lang="tr-TR" sz="1900" b="1" dirty="0" err="1"/>
               <a:t>class</a:t>
             </a:r>
             <a:r>
-              <a:rPr lang="tr-TR" sz="1900" b="1" dirty="0" smtClean="0"/>
+              <a:rPr lang="tr-TR" sz="1900" b="1" dirty="0"/>
               <a:t>="</a:t>
             </a:r>
             <a:r>
-              <a:rPr lang="tr-TR" sz="1900" b="1" dirty="0" err="1" smtClean="0"/>
-              <a:t>navbar-text</a:t>
-            </a:r>
-            <a:r>
-              <a:rPr lang="tr-TR" sz="1900" b="1" dirty="0" smtClean="0"/>
+              <a:rPr lang="tr-TR" sz="1900" b="1" dirty="0" err="1"/>
+              <a:t>navbar</a:t>
+            </a:r>
+            <a:r>
+              <a:rPr lang="tr-TR" sz="1900" b="1" dirty="0"/>
               <a:t> </a:t>
             </a:r>
             <a:r>
-              <a:rPr lang="tr-TR" sz="1900" b="1" dirty="0" err="1" smtClean="0"/>
-              <a:t>pull-right</a:t>
-            </a:r>
-            <a:r>
-              <a:rPr lang="tr-TR" sz="1900" b="1" dirty="0" smtClean="0"/>
+              <a:rPr lang="tr-TR" sz="1900" b="1" dirty="0" err="1"/>
+              <a:t>navbar-expand-lg</a:t>
+            </a:r>
+            <a:r>
+              <a:rPr lang="tr-TR" sz="1900" b="1" dirty="0"/>
+              <a:t> </a:t>
+            </a:r>
+            <a:r>
+              <a:rPr lang="tr-TR" sz="1900" b="1" dirty="0" err="1"/>
+              <a:t>navbar-light</a:t>
+            </a:r>
+            <a:r>
+              <a:rPr lang="tr-TR" sz="1900" b="1" dirty="0"/>
+              <a:t> </a:t>
+            </a:r>
+            <a:r>
+              <a:rPr lang="tr-TR" sz="1900" b="1" dirty="0" err="1"/>
+              <a:t>bg-light</a:t>
+            </a:r>
+            <a:r>
+              <a:rPr lang="tr-TR" sz="1900" b="1" dirty="0"/>
+              <a:t>"&gt;  &lt;a </a:t>
+            </a:r>
+            <a:r>
+              <a:rPr lang="tr-TR" sz="1900" b="1" dirty="0" err="1"/>
+              <a:t>class</a:t>
+            </a:r>
+            <a:r>
+              <a:rPr lang="tr-TR" sz="1900" b="1" dirty="0"/>
+              <a:t>="</a:t>
+            </a:r>
+            <a:r>
+              <a:rPr lang="tr-TR" sz="1900" b="1" dirty="0" err="1"/>
+              <a:t>navbar-brand</a:t>
+            </a:r>
+            <a:r>
+              <a:rPr lang="tr-TR" sz="1900" b="1" dirty="0"/>
+              <a:t>" </a:t>
+            </a:r>
+            <a:r>
+              <a:rPr lang="tr-TR" sz="1900" b="1" dirty="0" err="1"/>
+              <a:t>href</a:t>
+            </a:r>
+            <a:r>
+              <a:rPr lang="tr-TR" sz="1900" b="1" dirty="0"/>
+              <a:t>="#"&gt;</a:t>
+            </a:r>
+            <a:r>
+              <a:rPr lang="tr-TR" sz="1900" b="1" dirty="0" err="1"/>
+              <a:t>Navbar</a:t>
+            </a:r>
+            <a:r>
+              <a:rPr lang="tr-TR" sz="1900" b="1" dirty="0"/>
+              <a:t>&lt;/a&gt;  &lt;</a:t>
+            </a:r>
+            <a:r>
+              <a:rPr lang="tr-TR" sz="1900" b="1" dirty="0" err="1"/>
+              <a:t>button</a:t>
+            </a:r>
+            <a:r>
+              <a:rPr lang="tr-TR" sz="1900" b="1" dirty="0"/>
+              <a:t> </a:t>
+            </a:r>
+            <a:r>
+              <a:rPr lang="tr-TR" sz="1900" b="1" dirty="0" err="1"/>
+              <a:t>class</a:t>
+            </a:r>
+            <a:r>
+              <a:rPr lang="tr-TR" sz="1900" b="1" dirty="0"/>
+              <a:t>="</a:t>
+            </a:r>
+            <a:r>
+              <a:rPr lang="tr-TR" sz="1900" b="1" dirty="0" err="1"/>
+              <a:t>navbar-toggler</a:t>
+            </a:r>
+            <a:r>
+              <a:rPr lang="tr-TR" sz="1900" b="1" dirty="0"/>
+              <a:t>" </a:t>
+            </a:r>
+            <a:r>
+              <a:rPr lang="tr-TR" sz="1900" b="1" dirty="0" err="1"/>
+              <a:t>type</a:t>
+            </a:r>
+            <a:r>
+              <a:rPr lang="tr-TR" sz="1900" b="1" dirty="0"/>
+              <a:t>="</a:t>
+            </a:r>
+            <a:r>
+              <a:rPr lang="tr-TR" sz="1900" b="1" dirty="0" err="1"/>
+              <a:t>button</a:t>
+            </a:r>
+            <a:r>
+              <a:rPr lang="tr-TR" sz="1900" b="1" dirty="0"/>
+              <a:t>" data-</a:t>
+            </a:r>
+            <a:r>
+              <a:rPr lang="tr-TR" sz="1900" b="1" dirty="0" err="1"/>
+              <a:t>toggle</a:t>
+            </a:r>
+            <a:r>
+              <a:rPr lang="tr-TR" sz="1900" b="1" dirty="0"/>
+              <a:t>="</a:t>
+            </a:r>
+            <a:r>
+              <a:rPr lang="tr-TR" sz="1900" b="1" dirty="0" err="1"/>
+              <a:t>collapse</a:t>
+            </a:r>
+            <a:r>
+              <a:rPr lang="tr-TR" sz="1900" b="1" dirty="0"/>
+              <a:t>" data-</a:t>
+            </a:r>
+            <a:r>
+              <a:rPr lang="tr-TR" sz="1900" b="1" dirty="0" err="1"/>
+              <a:t>target</a:t>
+            </a:r>
+            <a:r>
+              <a:rPr lang="tr-TR" sz="1900" b="1" dirty="0"/>
+              <a:t>="#</a:t>
+            </a:r>
+            <a:r>
+              <a:rPr lang="tr-TR" sz="1900" b="1" dirty="0" err="1"/>
+              <a:t>navbarSupportedContent</a:t>
+            </a:r>
+            <a:r>
+              <a:rPr lang="tr-TR" sz="1900" b="1" dirty="0"/>
+              <a:t>" </a:t>
+            </a:r>
+            <a:r>
+              <a:rPr lang="tr-TR" sz="1900" b="1" dirty="0" err="1"/>
+              <a:t>aria-controls</a:t>
+            </a:r>
+            <a:r>
+              <a:rPr lang="tr-TR" sz="1900" b="1" dirty="0"/>
+              <a:t>="</a:t>
+            </a:r>
+            <a:r>
+              <a:rPr lang="tr-TR" sz="1900" b="1" dirty="0" err="1"/>
+              <a:t>navbarSupportedContent</a:t>
+            </a:r>
+            <a:r>
+              <a:rPr lang="tr-TR" sz="1900" b="1" dirty="0"/>
+              <a:t>" </a:t>
+            </a:r>
+            <a:r>
+              <a:rPr lang="tr-TR" sz="1900" b="1" dirty="0" err="1"/>
+              <a:t>aria-expanded</a:t>
+            </a:r>
+            <a:r>
+              <a:rPr lang="tr-TR" sz="1900" b="1" dirty="0"/>
+              <a:t>="</a:t>
+            </a:r>
+            <a:r>
+              <a:rPr lang="tr-TR" sz="1900" b="1" dirty="0" err="1"/>
+              <a:t>false</a:t>
+            </a:r>
+            <a:r>
+              <a:rPr lang="tr-TR" sz="1900" b="1" dirty="0"/>
+              <a:t>" </a:t>
+            </a:r>
+            <a:r>
+              <a:rPr lang="tr-TR" sz="1900" b="1" dirty="0" err="1"/>
+              <a:t>aria-label</a:t>
+            </a:r>
+            <a:r>
+              <a:rPr lang="tr-TR" sz="1900" b="1" dirty="0"/>
+              <a:t>="</a:t>
+            </a:r>
+            <a:r>
+              <a:rPr lang="tr-TR" sz="1900" b="1" dirty="0" err="1"/>
+              <a:t>Toggle</a:t>
+            </a:r>
+            <a:r>
+              <a:rPr lang="tr-TR" sz="1900" b="1" dirty="0"/>
+              <a:t> </a:t>
+            </a:r>
+            <a:r>
+              <a:rPr lang="tr-TR" sz="1900" b="1" dirty="0" err="1"/>
+              <a:t>navigation</a:t>
+            </a:r>
+            <a:r>
+              <a:rPr lang="tr-TR" sz="1900" b="1" dirty="0"/>
+              <a:t>"&gt;    &lt;</a:t>
+            </a:r>
+            <a:r>
+              <a:rPr lang="tr-TR" sz="1900" b="1" dirty="0" err="1"/>
+              <a:t>span</a:t>
+            </a:r>
+            <a:r>
+              <a:rPr lang="tr-TR" sz="1900" b="1" dirty="0"/>
+              <a:t> </a:t>
+            </a:r>
+            <a:r>
+              <a:rPr lang="tr-TR" sz="1900" b="1" dirty="0" err="1"/>
+              <a:t>class</a:t>
+            </a:r>
+            <a:r>
+              <a:rPr lang="tr-TR" sz="1900" b="1" dirty="0"/>
+              <a:t>="</a:t>
+            </a:r>
+            <a:r>
+              <a:rPr lang="tr-TR" sz="1900" b="1" dirty="0" err="1"/>
+              <a:t>navbar-toggler-icon</a:t>
+            </a:r>
+            <a:r>
+              <a:rPr lang="tr-TR" sz="1900" b="1" dirty="0"/>
+              <a:t>"&gt;&lt;/</a:t>
+            </a:r>
+            <a:r>
+              <a:rPr lang="tr-TR" sz="1900" b="1" dirty="0" err="1"/>
+              <a:t>span</a:t>
+            </a:r>
+            <a:r>
+              <a:rPr lang="tr-TR" sz="1900" b="1" dirty="0"/>
+              <a:t>&gt;  &lt;/</a:t>
+            </a:r>
+            <a:r>
+              <a:rPr lang="tr-TR" sz="1900" b="1" dirty="0" err="1"/>
+              <a:t>button</a:t>
+            </a:r>
+            <a:r>
+              <a:rPr lang="tr-TR" sz="1900" b="1" dirty="0"/>
+              <a:t>&gt;  &lt;div </a:t>
+            </a:r>
+            <a:r>
+              <a:rPr lang="tr-TR" sz="1900" b="1" dirty="0" err="1"/>
+              <a:t>class</a:t>
+            </a:r>
+            <a:r>
+              <a:rPr lang="tr-TR" sz="1900" b="1" dirty="0"/>
+              <a:t>="</a:t>
+            </a:r>
+            <a:r>
+              <a:rPr lang="tr-TR" sz="1900" b="1" dirty="0" err="1"/>
+              <a:t>collapse</a:t>
+            </a:r>
+            <a:r>
+              <a:rPr lang="tr-TR" sz="1900" b="1" dirty="0"/>
+              <a:t> </a:t>
+            </a:r>
+            <a:r>
+              <a:rPr lang="tr-TR" sz="1900" b="1" dirty="0" err="1"/>
+              <a:t>navbar-collapse</a:t>
+            </a:r>
+            <a:r>
+              <a:rPr lang="tr-TR" sz="1900" b="1" dirty="0"/>
+              <a:t>" </a:t>
+            </a:r>
+            <a:r>
+              <a:rPr lang="tr-TR" sz="1900" b="1" dirty="0" err="1"/>
+              <a:t>id</a:t>
+            </a:r>
+            <a:r>
+              <a:rPr lang="tr-TR" sz="1900" b="1" dirty="0"/>
+              <a:t>="</a:t>
+            </a:r>
+            <a:r>
+              <a:rPr lang="tr-TR" sz="1900" b="1" dirty="0" err="1"/>
+              <a:t>navbarSupportedContent</a:t>
+            </a:r>
+            <a:r>
+              <a:rPr lang="tr-TR" sz="1900" b="1" dirty="0"/>
+              <a:t>"&gt;    &lt;</a:t>
+            </a:r>
+            <a:r>
+              <a:rPr lang="tr-TR" sz="1900" b="1" dirty="0" err="1"/>
+              <a:t>ul</a:t>
+            </a:r>
+            <a:r>
+              <a:rPr lang="tr-TR" sz="1900" b="1" dirty="0"/>
+              <a:t> </a:t>
+            </a:r>
+            <a:r>
+              <a:rPr lang="tr-TR" sz="1900" b="1" dirty="0" err="1"/>
+              <a:t>class</a:t>
+            </a:r>
+            <a:r>
+              <a:rPr lang="tr-TR" sz="1900" b="1" dirty="0"/>
+              <a:t>="</a:t>
+            </a:r>
+            <a:r>
+              <a:rPr lang="tr-TR" sz="1900" b="1" dirty="0" err="1"/>
+              <a:t>navbar-nav</a:t>
+            </a:r>
+            <a:r>
+              <a:rPr lang="tr-TR" sz="1900" b="1" dirty="0"/>
+              <a:t> </a:t>
+            </a:r>
+            <a:r>
+              <a:rPr lang="tr-TR" sz="1900" b="1" dirty="0" err="1"/>
+              <a:t>mr-auto</a:t>
+            </a:r>
+            <a:r>
+              <a:rPr lang="tr-TR" sz="1900" b="1" dirty="0"/>
+              <a:t>"&gt;      &lt;</a:t>
+            </a:r>
+            <a:r>
+              <a:rPr lang="tr-TR" sz="1900" b="1" dirty="0" err="1"/>
+              <a:t>li</a:t>
+            </a:r>
+            <a:r>
+              <a:rPr lang="tr-TR" sz="1900" b="1" dirty="0"/>
+              <a:t> </a:t>
+            </a:r>
+            <a:r>
+              <a:rPr lang="tr-TR" sz="1900" b="1" dirty="0" err="1"/>
+              <a:t>class</a:t>
+            </a:r>
+            <a:r>
+              <a:rPr lang="tr-TR" sz="1900" b="1" dirty="0"/>
+              <a:t>="</a:t>
+            </a:r>
+            <a:r>
+              <a:rPr lang="tr-TR" sz="1900" b="1" dirty="0" err="1"/>
+              <a:t>nav-item</a:t>
+            </a:r>
+            <a:r>
+              <a:rPr lang="tr-TR" sz="1900" b="1" dirty="0"/>
+              <a:t> </a:t>
+            </a:r>
+            <a:r>
+              <a:rPr lang="tr-TR" sz="1900" b="1" dirty="0" err="1"/>
+              <a:t>active</a:t>
+            </a:r>
+            <a:r>
+              <a:rPr lang="tr-TR" sz="1900" b="1" dirty="0"/>
+              <a:t>"&gt;        &lt;a </a:t>
+            </a:r>
+            <a:r>
+              <a:rPr lang="tr-TR" sz="1900" b="1" dirty="0" err="1"/>
+              <a:t>class</a:t>
+            </a:r>
+            <a:r>
+              <a:rPr lang="tr-TR" sz="1900" b="1" dirty="0"/>
+              <a:t>="</a:t>
+            </a:r>
+            <a:r>
+              <a:rPr lang="tr-TR" sz="1900" b="1" dirty="0" err="1"/>
+              <a:t>nav</a:t>
+            </a:r>
+            <a:r>
+              <a:rPr lang="tr-TR" sz="1900" b="1" dirty="0"/>
+              <a:t>-link" </a:t>
+            </a:r>
+            <a:r>
+              <a:rPr lang="tr-TR" sz="1900" b="1" dirty="0" err="1"/>
+              <a:t>href</a:t>
+            </a:r>
+            <a:r>
+              <a:rPr lang="tr-TR" sz="1900" b="1" dirty="0"/>
+              <a:t>="#"&gt;        		&lt;% </a:t>
+            </a:r>
+            <a:r>
+              <a:rPr lang="tr-TR" sz="1900" b="1" dirty="0" err="1"/>
+              <a:t>if</a:t>
+            </a:r>
+            <a:r>
+              <a:rPr lang="tr-TR" sz="1900" b="1" dirty="0"/>
+              <a:t> </a:t>
+            </a:r>
+            <a:r>
+              <a:rPr lang="tr-TR" sz="1900" b="1" dirty="0" err="1"/>
+              <a:t>user_signed_in</a:t>
+            </a:r>
+            <a:r>
+              <a:rPr lang="tr-TR" sz="1900" b="1" dirty="0"/>
+              <a:t>? %&gt;					&lt;</a:t>
+            </a:r>
+            <a:r>
+              <a:rPr lang="tr-TR" sz="1900" b="1" dirty="0" err="1"/>
+              <a:t>li</a:t>
+            </a:r>
+            <a:r>
+              <a:rPr lang="tr-TR" sz="1900" b="1" dirty="0"/>
+              <a:t>&gt;&lt;%= </a:t>
+            </a:r>
+            <a:r>
+              <a:rPr lang="tr-TR" sz="1900" b="1" dirty="0" err="1"/>
+              <a:t>link_to</a:t>
+            </a:r>
+            <a:r>
+              <a:rPr lang="tr-TR" sz="1900" b="1" dirty="0"/>
+              <a:t>('Hesabım', </a:t>
+            </a:r>
+            <a:r>
+              <a:rPr lang="tr-TR" sz="1900" b="1" dirty="0" err="1"/>
+              <a:t>edit_user_registration_path</a:t>
+            </a:r>
+            <a:r>
+              <a:rPr lang="tr-TR" sz="1900" b="1" dirty="0"/>
+              <a:t>) %&gt;&lt;/</a:t>
+            </a:r>
+            <a:r>
+              <a:rPr lang="tr-TR" sz="1900" b="1" dirty="0" err="1"/>
+              <a:t>li</a:t>
+            </a:r>
+            <a:r>
+              <a:rPr lang="tr-TR" sz="1900" b="1" dirty="0"/>
+              <a:t>&gt;					&lt;</a:t>
+            </a:r>
+            <a:r>
+              <a:rPr lang="tr-TR" sz="1900" b="1" dirty="0" err="1"/>
+              <a:t>li</a:t>
+            </a:r>
+            <a:r>
+              <a:rPr lang="tr-TR" sz="1900" b="1" dirty="0"/>
+              <a:t>&gt;&lt;%= </a:t>
+            </a:r>
+            <a:r>
+              <a:rPr lang="tr-TR" sz="1900" b="1" dirty="0" err="1"/>
+              <a:t>link_to</a:t>
+            </a:r>
+            <a:r>
+              <a:rPr lang="tr-TR" sz="1900" b="1" dirty="0"/>
+              <a:t> "Çıkış", </a:t>
+            </a:r>
+            <a:r>
+              <a:rPr lang="tr-TR" sz="1900" b="1" dirty="0" err="1"/>
+              <a:t>destroy_user_session_path</a:t>
+            </a:r>
+            <a:r>
+              <a:rPr lang="tr-TR" sz="1900" b="1" dirty="0"/>
+              <a:t>, :</a:t>
+            </a:r>
+            <a:r>
+              <a:rPr lang="tr-TR" sz="1900" b="1" dirty="0" err="1"/>
+              <a:t>method</a:t>
+            </a:r>
+            <a:r>
+              <a:rPr lang="tr-TR" sz="1900" b="1" dirty="0"/>
+              <a:t> =&gt; :</a:t>
+            </a:r>
+            <a:r>
+              <a:rPr lang="tr-TR" sz="1900" b="1" dirty="0" err="1"/>
+              <a:t>delete</a:t>
+            </a:r>
+            <a:r>
+              <a:rPr lang="tr-TR" sz="1900" b="1" dirty="0"/>
+              <a:t> %&gt;&lt;/</a:t>
+            </a:r>
+            <a:r>
+              <a:rPr lang="tr-TR" sz="1900" b="1" dirty="0" err="1"/>
+              <a:t>li</a:t>
+            </a:r>
+            <a:r>
+              <a:rPr lang="tr-TR" sz="1900" b="1" dirty="0"/>
+              <a:t>&gt;				&lt;% else %&gt;					&lt;</a:t>
+            </a:r>
+            <a:r>
+              <a:rPr lang="tr-TR" sz="1900" b="1" dirty="0" err="1"/>
+              <a:t>li</a:t>
+            </a:r>
+            <a:r>
+              <a:rPr lang="tr-TR" sz="1900" b="1" dirty="0"/>
+              <a:t>&gt;&lt;%= </a:t>
+            </a:r>
+            <a:r>
+              <a:rPr lang="tr-TR" sz="1900" b="1" dirty="0" err="1"/>
+              <a:t>link_to</a:t>
+            </a:r>
+            <a:r>
+              <a:rPr lang="tr-TR" sz="1900" b="1" dirty="0"/>
+              <a:t>('Giriş', </a:t>
+            </a:r>
+            <a:r>
+              <a:rPr lang="tr-TR" sz="1900" b="1" dirty="0" err="1"/>
+              <a:t>new_user_session_path</a:t>
+            </a:r>
+            <a:r>
+              <a:rPr lang="tr-TR" sz="1900" b="1" dirty="0"/>
+              <a:t>) %&gt;&lt;/</a:t>
+            </a:r>
+            <a:r>
+              <a:rPr lang="tr-TR" sz="1900" b="1" dirty="0" err="1"/>
+              <a:t>li</a:t>
+            </a:r>
+            <a:r>
+              <a:rPr lang="tr-TR" sz="1900" b="1" dirty="0"/>
+              <a:t>&gt;					&lt;</a:t>
+            </a:r>
+            <a:r>
+              <a:rPr lang="tr-TR" sz="1900" b="1" dirty="0" err="1"/>
+              <a:t>li</a:t>
+            </a:r>
+            <a:r>
+              <a:rPr lang="tr-TR" sz="1900" b="1" dirty="0"/>
+              <a:t>&gt;&lt;%= </a:t>
+            </a:r>
+            <a:r>
+              <a:rPr lang="tr-TR" sz="1900" b="1" dirty="0" err="1"/>
+              <a:t>link_to</a:t>
+            </a:r>
+            <a:r>
+              <a:rPr lang="tr-TR" sz="1900" b="1" dirty="0"/>
+              <a:t>('Kayıt', </a:t>
+            </a:r>
+            <a:r>
+              <a:rPr lang="tr-TR" sz="1900" b="1" dirty="0" err="1"/>
+              <a:t>new_user_registration_path</a:t>
+            </a:r>
+            <a:r>
+              <a:rPr lang="tr-TR" sz="1900" b="1" dirty="0"/>
+              <a:t>) %&gt;&lt;/</a:t>
+            </a:r>
+            <a:r>
+              <a:rPr lang="tr-TR" sz="1900" b="1" dirty="0" err="1"/>
+              <a:t>li</a:t>
+            </a:r>
+            <a:r>
+              <a:rPr lang="tr-TR" sz="1900" b="1" dirty="0"/>
+              <a:t>&gt;				&lt;% </a:t>
+            </a:r>
+            <a:r>
+              <a:rPr lang="tr-TR" sz="1900" b="1" dirty="0" err="1"/>
+              <a:t>end</a:t>
+            </a:r>
+            <a:r>
+              <a:rPr lang="tr-TR" sz="1900" b="1" dirty="0"/>
+              <a:t> %&gt;          &lt;</a:t>
+            </a:r>
+            <a:r>
+              <a:rPr lang="tr-TR" sz="1900" b="1" dirty="0" err="1"/>
+              <a:t>span</a:t>
+            </a:r>
+            <a:r>
+              <a:rPr lang="tr-TR" sz="1900" b="1" dirty="0"/>
+              <a:t> </a:t>
+            </a:r>
+            <a:r>
+              <a:rPr lang="tr-TR" sz="1900" b="1" dirty="0" err="1"/>
+              <a:t>class</a:t>
+            </a:r>
+            <a:r>
+              <a:rPr lang="tr-TR" sz="1900" b="1" dirty="0"/>
+              <a:t>="</a:t>
+            </a:r>
+            <a:r>
+              <a:rPr lang="tr-TR" sz="1900" b="1" dirty="0" err="1"/>
+              <a:t>sr-only</a:t>
+            </a:r>
+            <a:r>
+              <a:rPr lang="tr-TR" sz="1900" b="1" dirty="0"/>
+              <a:t>"&gt;(</a:t>
+            </a:r>
+            <a:r>
+              <a:rPr lang="tr-TR" sz="1900" b="1" dirty="0" err="1"/>
+              <a:t>current</a:t>
+            </a:r>
+            <a:r>
+              <a:rPr lang="tr-TR" sz="1900" b="1" dirty="0"/>
+              <a:t>)&lt;/</a:t>
+            </a:r>
+            <a:r>
+              <a:rPr lang="tr-TR" sz="1900" b="1" dirty="0" err="1"/>
+              <a:t>span</a:t>
+            </a:r>
+            <a:r>
+              <a:rPr lang="tr-TR" sz="1900" b="1" dirty="0"/>
+              <a:t>&gt;&lt;/a&gt;      &lt;/</a:t>
+            </a:r>
+            <a:r>
+              <a:rPr lang="tr-TR" sz="1900" b="1" dirty="0" err="1"/>
+              <a:t>li</a:t>
+            </a:r>
+            <a:r>
+              <a:rPr lang="tr-TR" sz="1900" b="1" dirty="0"/>
+              <a:t>&gt;      &lt;</a:t>
+            </a:r>
+            <a:r>
+              <a:rPr lang="tr-TR" sz="1900" b="1" dirty="0" err="1"/>
+              <a:t>li</a:t>
+            </a:r>
+            <a:r>
+              <a:rPr lang="tr-TR" sz="1900" b="1" dirty="0"/>
+              <a:t> </a:t>
+            </a:r>
+            <a:r>
+              <a:rPr lang="tr-TR" sz="1900" b="1" dirty="0" err="1"/>
+              <a:t>class</a:t>
+            </a:r>
+            <a:r>
+              <a:rPr lang="tr-TR" sz="1900" b="1" dirty="0"/>
+              <a:t>="</a:t>
+            </a:r>
+            <a:r>
+              <a:rPr lang="tr-TR" sz="1900" b="1" dirty="0" err="1"/>
+              <a:t>nav-item</a:t>
+            </a:r>
+            <a:r>
+              <a:rPr lang="tr-TR" sz="1900" b="1" dirty="0"/>
+              <a:t>"&gt;        &lt;a </a:t>
+            </a:r>
+            <a:r>
+              <a:rPr lang="tr-TR" sz="1900" b="1" dirty="0" err="1"/>
+              <a:t>class</a:t>
+            </a:r>
+            <a:r>
+              <a:rPr lang="tr-TR" sz="1900" b="1" dirty="0"/>
+              <a:t>="</a:t>
+            </a:r>
+            <a:r>
+              <a:rPr lang="tr-TR" sz="1900" b="1" dirty="0" err="1"/>
+              <a:t>nav</a:t>
+            </a:r>
+            <a:r>
+              <a:rPr lang="tr-TR" sz="1900" b="1" dirty="0"/>
+              <a:t>-link" </a:t>
+            </a:r>
+            <a:r>
+              <a:rPr lang="tr-TR" sz="1900" b="1" dirty="0" err="1"/>
+              <a:t>href</a:t>
+            </a:r>
+            <a:r>
+              <a:rPr lang="tr-TR" sz="1900" b="1" dirty="0"/>
+              <a:t>="#"&gt;Link&lt;/a&gt;      &lt;/</a:t>
+            </a:r>
+            <a:r>
+              <a:rPr lang="tr-TR" sz="1900" b="1" dirty="0" err="1"/>
+              <a:t>li</a:t>
+            </a:r>
+            <a:r>
+              <a:rPr lang="tr-TR" sz="1900" b="1" dirty="0"/>
+              <a:t>&gt;      &lt;</a:t>
+            </a:r>
+            <a:r>
+              <a:rPr lang="tr-TR" sz="1900" b="1" dirty="0" err="1"/>
+              <a:t>li</a:t>
+            </a:r>
+            <a:r>
+              <a:rPr lang="tr-TR" sz="1900" b="1" dirty="0"/>
+              <a:t> </a:t>
+            </a:r>
+            <a:r>
+              <a:rPr lang="tr-TR" sz="1900" b="1" dirty="0" err="1"/>
+              <a:t>class</a:t>
+            </a:r>
+            <a:r>
+              <a:rPr lang="tr-TR" sz="1900" b="1" dirty="0"/>
+              <a:t>="</a:t>
+            </a:r>
+            <a:r>
+              <a:rPr lang="tr-TR" sz="1900" b="1" dirty="0" err="1"/>
+              <a:t>nav-item</a:t>
+            </a:r>
+            <a:r>
+              <a:rPr lang="tr-TR" sz="1900" b="1" dirty="0"/>
+              <a:t> </a:t>
+            </a:r>
+            <a:r>
+              <a:rPr lang="tr-TR" sz="1900" b="1" dirty="0" err="1"/>
+              <a:t>dropdown</a:t>
+            </a:r>
+            <a:r>
+              <a:rPr lang="tr-TR" sz="1900" b="1" dirty="0"/>
+              <a:t>"&gt;        &lt;a </a:t>
+            </a:r>
+            <a:r>
+              <a:rPr lang="tr-TR" sz="1900" b="1" dirty="0" err="1"/>
+              <a:t>class</a:t>
+            </a:r>
+            <a:r>
+              <a:rPr lang="tr-TR" sz="1900" b="1" dirty="0"/>
+              <a:t>="</a:t>
+            </a:r>
+            <a:r>
+              <a:rPr lang="tr-TR" sz="1900" b="1" dirty="0" err="1"/>
+              <a:t>nav</a:t>
+            </a:r>
+            <a:r>
+              <a:rPr lang="tr-TR" sz="1900" b="1" dirty="0"/>
+              <a:t>-link </a:t>
+            </a:r>
+            <a:r>
+              <a:rPr lang="tr-TR" sz="1900" b="1" dirty="0" err="1"/>
+              <a:t>dropdown-toggle</a:t>
+            </a:r>
+            <a:r>
+              <a:rPr lang="tr-TR" sz="1900" b="1" dirty="0"/>
+              <a:t>" </a:t>
+            </a:r>
+            <a:r>
+              <a:rPr lang="tr-TR" sz="1900" b="1" dirty="0" err="1"/>
+              <a:t>href</a:t>
+            </a:r>
+            <a:r>
+              <a:rPr lang="tr-TR" sz="1900" b="1" dirty="0"/>
+              <a:t>="#" </a:t>
+            </a:r>
+            <a:r>
+              <a:rPr lang="tr-TR" sz="1900" b="1" dirty="0" err="1"/>
+              <a:t>id</a:t>
+            </a:r>
+            <a:r>
+              <a:rPr lang="tr-TR" sz="1900" b="1" dirty="0"/>
+              <a:t>="</a:t>
+            </a:r>
+            <a:r>
+              <a:rPr lang="tr-TR" sz="1900" b="1" dirty="0" err="1"/>
+              <a:t>navbarDropdown</a:t>
+            </a:r>
+            <a:r>
+              <a:rPr lang="tr-TR" sz="1900" b="1" dirty="0"/>
+              <a:t>" role="</a:t>
+            </a:r>
+            <a:r>
+              <a:rPr lang="tr-TR" sz="1900" b="1" dirty="0" err="1"/>
+              <a:t>button</a:t>
+            </a:r>
+            <a:r>
+              <a:rPr lang="tr-TR" sz="1900" b="1" dirty="0"/>
+              <a:t>" data-</a:t>
+            </a:r>
+            <a:r>
+              <a:rPr lang="tr-TR" sz="1900" b="1" dirty="0" err="1"/>
+              <a:t>toggle</a:t>
+            </a:r>
+            <a:r>
+              <a:rPr lang="tr-TR" sz="1900" b="1" dirty="0"/>
+              <a:t>="</a:t>
+            </a:r>
+            <a:r>
+              <a:rPr lang="tr-TR" sz="1900" b="1" dirty="0" err="1"/>
+              <a:t>dropdown</a:t>
+            </a:r>
+            <a:r>
+              <a:rPr lang="tr-TR" sz="1900" b="1" dirty="0"/>
+              <a:t>" </a:t>
+            </a:r>
+            <a:r>
+              <a:rPr lang="tr-TR" sz="1900" b="1" dirty="0" err="1"/>
+              <a:t>aria-haspopup</a:t>
+            </a:r>
+            <a:r>
+              <a:rPr lang="tr-TR" sz="1900" b="1" dirty="0"/>
+              <a:t>="</a:t>
+            </a:r>
+            <a:r>
+              <a:rPr lang="tr-TR" sz="1900" b="1" dirty="0" err="1"/>
+              <a:t>true</a:t>
+            </a:r>
+            <a:r>
+              <a:rPr lang="tr-TR" sz="1900" b="1" dirty="0"/>
+              <a:t>" </a:t>
+            </a:r>
+            <a:r>
+              <a:rPr lang="tr-TR" sz="1900" b="1" dirty="0" err="1"/>
+              <a:t>aria-expanded</a:t>
+            </a:r>
+            <a:r>
+              <a:rPr lang="tr-TR" sz="1900" b="1" dirty="0"/>
+              <a:t>="</a:t>
+            </a:r>
+            <a:r>
+              <a:rPr lang="tr-TR" sz="1900" b="1" dirty="0" err="1"/>
+              <a:t>false</a:t>
+            </a:r>
+            <a:r>
+              <a:rPr lang="tr-TR" sz="1900" b="1" dirty="0"/>
+              <a:t>"&gt;          </a:t>
+            </a:r>
+            <a:r>
+              <a:rPr lang="tr-TR" sz="1900" b="1" dirty="0" err="1"/>
+              <a:t>Dropdown</a:t>
+            </a:r>
+            <a:r>
+              <a:rPr lang="tr-TR" sz="1900" b="1" dirty="0"/>
+              <a:t>        &lt;/a&gt;        &lt;div </a:t>
+            </a:r>
+            <a:r>
+              <a:rPr lang="tr-TR" sz="1900" b="1" dirty="0" err="1"/>
+              <a:t>class</a:t>
+            </a:r>
+            <a:r>
+              <a:rPr lang="tr-TR" sz="1900" b="1" dirty="0"/>
+              <a:t>="</a:t>
+            </a:r>
+            <a:r>
+              <a:rPr lang="tr-TR" sz="1900" b="1" dirty="0" err="1"/>
+              <a:t>dropdown-menu</a:t>
+            </a:r>
+            <a:r>
+              <a:rPr lang="tr-TR" sz="1900" b="1" dirty="0"/>
+              <a:t>" </a:t>
+            </a:r>
+            <a:r>
+              <a:rPr lang="tr-TR" sz="1900" b="1" dirty="0" err="1"/>
+              <a:t>aria-labelledby</a:t>
+            </a:r>
+            <a:r>
+              <a:rPr lang="tr-TR" sz="1900" b="1" dirty="0"/>
+              <a:t>="</a:t>
+            </a:r>
+            <a:r>
+              <a:rPr lang="tr-TR" sz="1900" b="1" dirty="0" err="1"/>
+              <a:t>navbarDropdown</a:t>
+            </a:r>
+            <a:r>
+              <a:rPr lang="tr-TR" sz="1900" b="1" dirty="0"/>
+              <a:t>"&gt;          &lt;a </a:t>
+            </a:r>
+            <a:r>
+              <a:rPr lang="tr-TR" sz="1900" b="1" dirty="0" err="1"/>
+              <a:t>class</a:t>
+            </a:r>
+            <a:r>
+              <a:rPr lang="tr-TR" sz="1900" b="1" dirty="0"/>
+              <a:t>="</a:t>
+            </a:r>
+            <a:r>
+              <a:rPr lang="tr-TR" sz="1900" b="1" dirty="0" err="1"/>
+              <a:t>dropdown-item</a:t>
+            </a:r>
+            <a:r>
+              <a:rPr lang="tr-TR" sz="1900" b="1" dirty="0"/>
+              <a:t>" </a:t>
+            </a:r>
+            <a:r>
+              <a:rPr lang="tr-TR" sz="1900" b="1" dirty="0" err="1"/>
+              <a:t>href</a:t>
+            </a:r>
+            <a:r>
+              <a:rPr lang="tr-TR" sz="1900" b="1" dirty="0"/>
+              <a:t>="#"&gt;Action&lt;/a&gt;          &lt;a </a:t>
+            </a:r>
+            <a:r>
+              <a:rPr lang="tr-TR" sz="1900" b="1" dirty="0" err="1"/>
+              <a:t>class</a:t>
+            </a:r>
+            <a:r>
+              <a:rPr lang="tr-TR" sz="1900" b="1" dirty="0"/>
+              <a:t>="</a:t>
+            </a:r>
+            <a:r>
+              <a:rPr lang="tr-TR" sz="1900" b="1" dirty="0" err="1"/>
+              <a:t>dropdown-item</a:t>
+            </a:r>
+            <a:r>
+              <a:rPr lang="tr-TR" sz="1900" b="1" dirty="0"/>
+              <a:t>" </a:t>
+            </a:r>
+            <a:r>
+              <a:rPr lang="tr-TR" sz="1900" b="1" dirty="0" err="1"/>
+              <a:t>href</a:t>
+            </a:r>
+            <a:r>
+              <a:rPr lang="tr-TR" sz="1900" b="1" dirty="0"/>
+              <a:t>="#"&gt;</a:t>
+            </a:r>
+            <a:r>
+              <a:rPr lang="tr-TR" sz="1900" b="1" dirty="0" err="1"/>
+              <a:t>Another</a:t>
+            </a:r>
+            <a:r>
+              <a:rPr lang="tr-TR" sz="1900" b="1" dirty="0"/>
+              <a:t> </a:t>
+            </a:r>
+            <a:r>
+              <a:rPr lang="tr-TR" sz="1900" b="1" dirty="0" err="1"/>
+              <a:t>action</a:t>
+            </a:r>
+            <a:r>
+              <a:rPr lang="tr-TR" sz="1900" b="1" dirty="0"/>
+              <a:t>&lt;/a&gt;          &lt;div </a:t>
+            </a:r>
+            <a:r>
+              <a:rPr lang="tr-TR" sz="1900" b="1" dirty="0" err="1"/>
+              <a:t>class</a:t>
+            </a:r>
+            <a:r>
+              <a:rPr lang="tr-TR" sz="1900" b="1" dirty="0"/>
+              <a:t>="</a:t>
+            </a:r>
+            <a:r>
+              <a:rPr lang="tr-TR" sz="1900" b="1" dirty="0" err="1"/>
+              <a:t>dropdown-divider</a:t>
+            </a:r>
+            <a:r>
+              <a:rPr lang="tr-TR" sz="1900" b="1" dirty="0"/>
+              <a:t>"&gt;&lt;/div&gt;          &lt;a </a:t>
+            </a:r>
+            <a:r>
+              <a:rPr lang="tr-TR" sz="1900" b="1" dirty="0" err="1"/>
+              <a:t>class</a:t>
+            </a:r>
+            <a:r>
+              <a:rPr lang="tr-TR" sz="1900" b="1" dirty="0"/>
+              <a:t>="</a:t>
+            </a:r>
+            <a:r>
+              <a:rPr lang="tr-TR" sz="1900" b="1" dirty="0" err="1"/>
+              <a:t>dropdown-item</a:t>
+            </a:r>
+            <a:r>
+              <a:rPr lang="tr-TR" sz="1900" b="1" dirty="0"/>
+              <a:t>" </a:t>
+            </a:r>
+            <a:r>
+              <a:rPr lang="tr-TR" sz="1900" b="1" dirty="0" err="1"/>
+              <a:t>href</a:t>
+            </a:r>
+            <a:r>
+              <a:rPr lang="tr-TR" sz="1900" b="1" dirty="0"/>
+              <a:t>="#"&gt;</a:t>
+            </a:r>
+            <a:r>
+              <a:rPr lang="tr-TR" sz="1900" b="1" dirty="0" err="1"/>
+              <a:t>Something</a:t>
+            </a:r>
+            <a:r>
+              <a:rPr lang="tr-TR" sz="1900" b="1" dirty="0"/>
+              <a:t> else here&lt;/a&gt;        &lt;/div&gt;      &lt;/</a:t>
+            </a:r>
+            <a:r>
+              <a:rPr lang="tr-TR" sz="1900" b="1" dirty="0" err="1"/>
+              <a:t>li</a:t>
+            </a:r>
+            <a:r>
+              <a:rPr lang="tr-TR" sz="1900" b="1" dirty="0"/>
+              <a:t>&gt;      &lt;</a:t>
+            </a:r>
+            <a:r>
+              <a:rPr lang="tr-TR" sz="1900" b="1" dirty="0" err="1"/>
+              <a:t>li</a:t>
+            </a:r>
+            <a:r>
+              <a:rPr lang="tr-TR" sz="1900" b="1" dirty="0"/>
+              <a:t> </a:t>
+            </a:r>
+            <a:r>
+              <a:rPr lang="tr-TR" sz="1900" b="1" dirty="0" err="1"/>
+              <a:t>class</a:t>
+            </a:r>
+            <a:r>
+              <a:rPr lang="tr-TR" sz="1900" b="1" dirty="0"/>
+              <a:t>="</a:t>
+            </a:r>
+            <a:r>
+              <a:rPr lang="tr-TR" sz="1900" b="1" dirty="0" err="1"/>
+              <a:t>nav-item</a:t>
+            </a:r>
+            <a:r>
+              <a:rPr lang="tr-TR" sz="1900" b="1" dirty="0"/>
+              <a:t>"&gt;        &lt;a </a:t>
+            </a:r>
+            <a:r>
+              <a:rPr lang="tr-TR" sz="1900" b="1" dirty="0" err="1"/>
+              <a:t>class</a:t>
+            </a:r>
+            <a:r>
+              <a:rPr lang="tr-TR" sz="1900" b="1" dirty="0"/>
+              <a:t>="</a:t>
+            </a:r>
+            <a:r>
+              <a:rPr lang="tr-TR" sz="1900" b="1" dirty="0" err="1"/>
+              <a:t>nav</a:t>
+            </a:r>
+            <a:r>
+              <a:rPr lang="tr-TR" sz="1900" b="1" dirty="0"/>
+              <a:t>-link </a:t>
+            </a:r>
+            <a:r>
+              <a:rPr lang="tr-TR" sz="1900" b="1" dirty="0" err="1"/>
+              <a:t>disabled</a:t>
+            </a:r>
+            <a:r>
+              <a:rPr lang="tr-TR" sz="1900" b="1" dirty="0"/>
+              <a:t>" </a:t>
+            </a:r>
+            <a:r>
+              <a:rPr lang="tr-TR" sz="1900" b="1" dirty="0" err="1"/>
+              <a:t>href</a:t>
+            </a:r>
+            <a:r>
+              <a:rPr lang="tr-TR" sz="1900" b="1" dirty="0"/>
+              <a:t>="#"&gt;</a:t>
+            </a:r>
+            <a:r>
+              <a:rPr lang="tr-TR" sz="1900" b="1" dirty="0" err="1"/>
+              <a:t>Disabled</a:t>
+            </a:r>
+            <a:r>
+              <a:rPr lang="tr-TR" sz="1900" b="1" dirty="0"/>
+              <a:t>&lt;/a&gt;      &lt;/</a:t>
+            </a:r>
+            <a:r>
+              <a:rPr lang="tr-TR" sz="1900" b="1" dirty="0" err="1"/>
+              <a:t>li</a:t>
+            </a:r>
+            <a:r>
+              <a:rPr lang="tr-TR" sz="1900" b="1" dirty="0"/>
+              <a:t>&gt;    &lt;/</a:t>
+            </a:r>
+            <a:r>
+              <a:rPr lang="tr-TR" sz="1900" b="1" dirty="0" err="1"/>
+              <a:t>ul</a:t>
+            </a:r>
+            <a:r>
+              <a:rPr lang="tr-TR" sz="1900" b="1" dirty="0"/>
+              <a:t>&gt;    &lt;form </a:t>
+            </a:r>
+            <a:r>
+              <a:rPr lang="tr-TR" sz="1900" b="1" dirty="0" err="1"/>
+              <a:t>class</a:t>
+            </a:r>
+            <a:r>
+              <a:rPr lang="tr-TR" sz="1900" b="1" dirty="0"/>
+              <a:t>="form-inline my-2 my-lg-0"&gt;      &lt;</a:t>
+            </a:r>
+            <a:r>
+              <a:rPr lang="tr-TR" sz="1900" b="1" dirty="0" err="1"/>
+              <a:t>input</a:t>
+            </a:r>
+            <a:r>
+              <a:rPr lang="tr-TR" sz="1900" b="1" dirty="0"/>
+              <a:t> </a:t>
+            </a:r>
+            <a:r>
+              <a:rPr lang="tr-TR" sz="1900" b="1" dirty="0" err="1"/>
+              <a:t>class</a:t>
+            </a:r>
+            <a:r>
+              <a:rPr lang="tr-TR" sz="1900" b="1" dirty="0"/>
+              <a:t>="form-</a:t>
+            </a:r>
+            <a:r>
+              <a:rPr lang="tr-TR" sz="1900" b="1" dirty="0" err="1"/>
+              <a:t>control</a:t>
+            </a:r>
+            <a:r>
+              <a:rPr lang="tr-TR" sz="1900" b="1" dirty="0"/>
+              <a:t> mr-sm-2" </a:t>
+            </a:r>
+            <a:r>
+              <a:rPr lang="tr-TR" sz="1900" b="1" dirty="0" err="1"/>
+              <a:t>type</a:t>
+            </a:r>
+            <a:r>
+              <a:rPr lang="tr-TR" sz="1900" b="1" dirty="0"/>
+              <a:t>="</a:t>
+            </a:r>
+            <a:r>
+              <a:rPr lang="tr-TR" sz="1900" b="1" dirty="0" err="1"/>
+              <a:t>search</a:t>
+            </a:r>
+            <a:r>
+              <a:rPr lang="tr-TR" sz="1900" b="1" dirty="0"/>
+              <a:t>" </a:t>
+            </a:r>
+            <a:r>
+              <a:rPr lang="tr-TR" sz="1900" b="1" dirty="0" err="1"/>
+              <a:t>placeholder</a:t>
+            </a:r>
+            <a:r>
+              <a:rPr lang="tr-TR" sz="1900" b="1" dirty="0"/>
+              <a:t>="</a:t>
+            </a:r>
+            <a:r>
+              <a:rPr lang="tr-TR" sz="1900" b="1" dirty="0" err="1"/>
+              <a:t>Search</a:t>
+            </a:r>
+            <a:r>
+              <a:rPr lang="tr-TR" sz="1900" b="1" dirty="0"/>
+              <a:t>" </a:t>
+            </a:r>
+            <a:r>
+              <a:rPr lang="tr-TR" sz="1900" b="1" dirty="0" err="1"/>
+              <a:t>aria-label</a:t>
+            </a:r>
+            <a:r>
+              <a:rPr lang="tr-TR" sz="1900" b="1" dirty="0"/>
+              <a:t>="</a:t>
+            </a:r>
+            <a:r>
+              <a:rPr lang="tr-TR" sz="1900" b="1" dirty="0" err="1"/>
+              <a:t>Search</a:t>
+            </a:r>
+            <a:r>
+              <a:rPr lang="tr-TR" sz="1900" b="1" dirty="0"/>
+              <a:t>"&gt;      &lt;</a:t>
+            </a:r>
+            <a:r>
+              <a:rPr lang="tr-TR" sz="1900" b="1" dirty="0" err="1"/>
+              <a:t>button</a:t>
+            </a:r>
+            <a:r>
+              <a:rPr lang="tr-TR" sz="1900" b="1" dirty="0"/>
+              <a:t> </a:t>
+            </a:r>
+            <a:r>
+              <a:rPr lang="tr-TR" sz="1900" b="1" dirty="0" err="1"/>
+              <a:t>class</a:t>
+            </a:r>
+            <a:r>
+              <a:rPr lang="tr-TR" sz="1900" b="1" dirty="0"/>
+              <a:t>="</a:t>
+            </a:r>
+            <a:r>
+              <a:rPr lang="tr-TR" sz="1900" b="1" dirty="0" err="1"/>
+              <a:t>btn</a:t>
+            </a:r>
+            <a:r>
+              <a:rPr lang="tr-TR" sz="1900" b="1" dirty="0"/>
+              <a:t> </a:t>
+            </a:r>
+            <a:r>
+              <a:rPr lang="tr-TR" sz="1900" b="1" dirty="0" err="1"/>
+              <a:t>btn-outline-success</a:t>
+            </a:r>
+            <a:r>
+              <a:rPr lang="tr-TR" sz="1900" b="1" dirty="0"/>
+              <a:t> my-2 my-sm-0" </a:t>
+            </a:r>
+            <a:r>
+              <a:rPr lang="tr-TR" sz="1900" b="1" dirty="0" err="1"/>
+              <a:t>type</a:t>
+            </a:r>
+            <a:r>
+              <a:rPr lang="tr-TR" sz="1900" b="1" dirty="0"/>
+              <a:t>="</a:t>
+            </a:r>
+            <a:r>
+              <a:rPr lang="tr-TR" sz="1900" b="1" dirty="0" err="1"/>
+              <a:t>submit</a:t>
+            </a:r>
+            <a:r>
+              <a:rPr lang="tr-TR" sz="1900" b="1" dirty="0"/>
               <a:t>"&gt;</a:t>
             </a:r>
-          </a:p>
-          <a:p>
-            <a:pPr marL="457200" lvl="1" indent="0">
-              <a:buNone/>
-            </a:pPr>
-            <a:r>
-              <a:rPr lang="tr-TR" sz="1900" b="1" dirty="0" smtClean="0"/>
-              <a:t>&lt;% </a:t>
-            </a:r>
-            <a:r>
-              <a:rPr lang="tr-TR" sz="1900" b="1" dirty="0" err="1" smtClean="0"/>
-              <a:t>if</a:t>
-            </a:r>
-            <a:r>
-              <a:rPr lang="tr-TR" sz="1900" b="1" dirty="0" smtClean="0"/>
-              <a:t> </a:t>
-            </a:r>
-            <a:r>
-              <a:rPr lang="tr-TR" sz="1900" b="1" dirty="0" err="1" smtClean="0"/>
-              <a:t>user_signed_in</a:t>
-            </a:r>
-            <a:r>
-              <a:rPr lang="tr-TR" sz="1900" b="1" dirty="0" smtClean="0"/>
-              <a:t>? %&gt;</a:t>
-            </a:r>
-          </a:p>
-          <a:p>
-            <a:pPr marL="457200" lvl="1" indent="0">
-              <a:buNone/>
-            </a:pPr>
-            <a:r>
-              <a:rPr lang="tr-TR" sz="1900" b="1" dirty="0" smtClean="0"/>
-              <a:t>  </a:t>
-            </a:r>
-            <a:r>
-              <a:rPr lang="tr-TR" sz="1900" b="1" dirty="0" err="1" smtClean="0"/>
-              <a:t>Logged</a:t>
-            </a:r>
-            <a:r>
-              <a:rPr lang="tr-TR" sz="1900" b="1" dirty="0" smtClean="0"/>
-              <a:t> in as &lt;</a:t>
-            </a:r>
-            <a:r>
-              <a:rPr lang="tr-TR" sz="1900" b="1" dirty="0" err="1" smtClean="0"/>
-              <a:t>strong</a:t>
-            </a:r>
-            <a:r>
-              <a:rPr lang="tr-TR" sz="1900" b="1" dirty="0" smtClean="0"/>
-              <a:t>&gt;&lt;%= </a:t>
-            </a:r>
-            <a:r>
-              <a:rPr lang="tr-TR" sz="1900" b="1" dirty="0" err="1" smtClean="0"/>
-              <a:t>current_user.email</a:t>
-            </a:r>
-            <a:r>
-              <a:rPr lang="tr-TR" sz="1900" b="1" dirty="0" smtClean="0"/>
-              <a:t> %&gt;&lt;/</a:t>
-            </a:r>
-            <a:r>
-              <a:rPr lang="tr-TR" sz="1900" b="1" dirty="0" err="1" smtClean="0"/>
-              <a:t>strong</a:t>
-            </a:r>
-            <a:r>
-              <a:rPr lang="tr-TR" sz="1900" b="1" dirty="0" smtClean="0"/>
-              <a:t>&gt;.</a:t>
-            </a:r>
-          </a:p>
-          <a:p>
-            <a:pPr marL="457200" lvl="1" indent="0">
-              <a:buNone/>
-            </a:pPr>
-            <a:r>
-              <a:rPr lang="tr-TR" sz="1900" b="1" dirty="0" smtClean="0"/>
-              <a:t>  &lt;%= </a:t>
-            </a:r>
-            <a:r>
-              <a:rPr lang="tr-TR" sz="1900" b="1" dirty="0" err="1" smtClean="0"/>
-              <a:t>link_to</a:t>
-            </a:r>
-            <a:r>
-              <a:rPr lang="tr-TR" sz="1900" b="1" dirty="0" smtClean="0"/>
-              <a:t> '</a:t>
-            </a:r>
-            <a:r>
-              <a:rPr lang="tr-TR" sz="1900" b="1" dirty="0" err="1" smtClean="0"/>
-              <a:t>Edit</a:t>
-            </a:r>
-            <a:r>
-              <a:rPr lang="tr-TR" sz="1900" b="1" dirty="0" smtClean="0"/>
-              <a:t> profile', </a:t>
-            </a:r>
-            <a:r>
-              <a:rPr lang="tr-TR" sz="1900" b="1" dirty="0" err="1" smtClean="0"/>
-              <a:t>edit_user_registration_path</a:t>
-            </a:r>
-            <a:r>
-              <a:rPr lang="tr-TR" sz="1900" b="1" dirty="0" smtClean="0"/>
-              <a:t>, :</a:t>
-            </a:r>
-            <a:r>
-              <a:rPr lang="tr-TR" sz="1900" b="1" dirty="0" err="1" smtClean="0"/>
-              <a:t>class</a:t>
-            </a:r>
-            <a:r>
-              <a:rPr lang="tr-TR" sz="1900" b="1" dirty="0" smtClean="0"/>
-              <a:t> =&gt; '</a:t>
-            </a:r>
-            <a:r>
-              <a:rPr lang="tr-TR" sz="1900" b="1" dirty="0" err="1" smtClean="0"/>
-              <a:t>navbar</a:t>
-            </a:r>
-            <a:r>
-              <a:rPr lang="tr-TR" sz="1900" b="1" dirty="0" smtClean="0"/>
-              <a:t>-link' %&gt; |</a:t>
-            </a:r>
-          </a:p>
-          <a:p>
-            <a:pPr marL="457200" lvl="1" indent="0">
-              <a:buNone/>
-            </a:pPr>
-            <a:r>
-              <a:rPr lang="tr-TR" sz="1900" b="1" dirty="0" smtClean="0"/>
-              <a:t>  &lt;%= </a:t>
-            </a:r>
-            <a:r>
-              <a:rPr lang="tr-TR" sz="1900" b="1" dirty="0" err="1" smtClean="0"/>
-              <a:t>link_to</a:t>
-            </a:r>
-            <a:r>
-              <a:rPr lang="tr-TR" sz="1900" b="1" dirty="0" smtClean="0"/>
-              <a:t> "</a:t>
-            </a:r>
-            <a:r>
-              <a:rPr lang="tr-TR" sz="1900" b="1" dirty="0" err="1" smtClean="0"/>
-              <a:t>Logout</a:t>
-            </a:r>
-            <a:r>
-              <a:rPr lang="tr-TR" sz="1900" b="1" dirty="0" smtClean="0"/>
-              <a:t>", </a:t>
-            </a:r>
-            <a:r>
-              <a:rPr lang="tr-TR" sz="1900" b="1" dirty="0" err="1" smtClean="0"/>
-              <a:t>destroy_user_session_path</a:t>
-            </a:r>
-            <a:r>
-              <a:rPr lang="tr-TR" sz="1900" b="1" dirty="0" smtClean="0"/>
-              <a:t>, </a:t>
-            </a:r>
-            <a:r>
-              <a:rPr lang="tr-TR" sz="1900" b="1" dirty="0" err="1" smtClean="0"/>
-              <a:t>method</a:t>
-            </a:r>
-            <a:r>
-              <a:rPr lang="tr-TR" sz="1900" b="1" dirty="0" smtClean="0"/>
-              <a:t>: :</a:t>
-            </a:r>
-            <a:r>
-              <a:rPr lang="tr-TR" sz="1900" b="1" dirty="0" err="1" smtClean="0"/>
-              <a:t>delete</a:t>
-            </a:r>
-            <a:r>
-              <a:rPr lang="tr-TR" sz="1900" b="1" dirty="0" smtClean="0"/>
-              <a:t>, :</a:t>
-            </a:r>
-            <a:r>
-              <a:rPr lang="tr-TR" sz="1900" b="1" dirty="0" err="1" smtClean="0"/>
-              <a:t>class</a:t>
-            </a:r>
-            <a:r>
-              <a:rPr lang="tr-TR" sz="1900" b="1" dirty="0" smtClean="0"/>
-              <a:t> =&gt; '</a:t>
-            </a:r>
-            <a:r>
-              <a:rPr lang="tr-TR" sz="1900" b="1" dirty="0" err="1" smtClean="0"/>
-              <a:t>navbar</a:t>
-            </a:r>
-            <a:r>
-              <a:rPr lang="tr-TR" sz="1900" b="1" dirty="0" smtClean="0"/>
-              <a:t>-link'  %&gt;</a:t>
-            </a:r>
-          </a:p>
-          <a:p>
-            <a:pPr marL="457200" lvl="1" indent="0">
-              <a:buNone/>
-            </a:pPr>
-            <a:r>
-              <a:rPr lang="tr-TR" sz="1900" b="1" dirty="0" smtClean="0"/>
-              <a:t>&lt;% else %&gt;</a:t>
-            </a:r>
-          </a:p>
-          <a:p>
-            <a:pPr marL="457200" lvl="1" indent="0">
-              <a:buNone/>
-            </a:pPr>
-            <a:r>
-              <a:rPr lang="tr-TR" sz="1900" b="1" dirty="0" smtClean="0"/>
-              <a:t>  &lt;%= </a:t>
-            </a:r>
-            <a:r>
-              <a:rPr lang="tr-TR" sz="1900" b="1" dirty="0" err="1" smtClean="0"/>
-              <a:t>link_to</a:t>
-            </a:r>
-            <a:r>
-              <a:rPr lang="tr-TR" sz="1900" b="1" dirty="0" smtClean="0"/>
-              <a:t> "</a:t>
-            </a:r>
-            <a:r>
-              <a:rPr lang="tr-TR" sz="1900" b="1" dirty="0" err="1" smtClean="0"/>
-              <a:t>Sign</a:t>
-            </a:r>
-            <a:r>
-              <a:rPr lang="tr-TR" sz="1900" b="1" dirty="0" smtClean="0"/>
-              <a:t> </a:t>
-            </a:r>
-            <a:r>
-              <a:rPr lang="tr-TR" sz="1900" b="1" dirty="0" err="1" smtClean="0"/>
-              <a:t>up</a:t>
-            </a:r>
-            <a:r>
-              <a:rPr lang="tr-TR" sz="1900" b="1" dirty="0" smtClean="0"/>
-              <a:t>", </a:t>
-            </a:r>
-            <a:r>
-              <a:rPr lang="tr-TR" sz="1900" b="1" dirty="0" err="1" smtClean="0"/>
-              <a:t>new_user_registration_path</a:t>
-            </a:r>
-            <a:r>
-              <a:rPr lang="tr-TR" sz="1900" b="1" dirty="0" smtClean="0"/>
-              <a:t>, :</a:t>
-            </a:r>
-            <a:r>
-              <a:rPr lang="tr-TR" sz="1900" b="1" dirty="0" err="1" smtClean="0"/>
-              <a:t>class</a:t>
-            </a:r>
-            <a:r>
-              <a:rPr lang="tr-TR" sz="1900" b="1" dirty="0" smtClean="0"/>
-              <a:t> =&gt; '</a:t>
-            </a:r>
-            <a:r>
-              <a:rPr lang="tr-TR" sz="1900" b="1" dirty="0" err="1" smtClean="0"/>
-              <a:t>navbar</a:t>
-            </a:r>
-            <a:r>
-              <a:rPr lang="tr-TR" sz="1900" b="1" dirty="0" smtClean="0"/>
-              <a:t>-link'  %&gt; |</a:t>
-            </a:r>
-          </a:p>
-          <a:p>
-            <a:pPr marL="457200" lvl="1" indent="0">
-              <a:buNone/>
-            </a:pPr>
-            <a:r>
-              <a:rPr lang="tr-TR" sz="1900" b="1" dirty="0" smtClean="0"/>
-              <a:t>  &lt;%= </a:t>
-            </a:r>
-            <a:r>
-              <a:rPr lang="tr-TR" sz="1900" b="1" dirty="0" err="1" smtClean="0"/>
-              <a:t>link_to</a:t>
-            </a:r>
-            <a:r>
-              <a:rPr lang="tr-TR" sz="1900" b="1" dirty="0" smtClean="0"/>
-              <a:t> "</a:t>
-            </a:r>
-            <a:r>
-              <a:rPr lang="tr-TR" sz="1900" b="1" dirty="0" err="1" smtClean="0"/>
-              <a:t>Login</a:t>
-            </a:r>
-            <a:r>
-              <a:rPr lang="tr-TR" sz="1900" b="1" dirty="0" smtClean="0"/>
-              <a:t>", </a:t>
-            </a:r>
-            <a:r>
-              <a:rPr lang="tr-TR" sz="1900" b="1" dirty="0" err="1" smtClean="0"/>
-              <a:t>new_user_session_path</a:t>
-            </a:r>
-            <a:r>
-              <a:rPr lang="tr-TR" sz="1900" b="1" dirty="0" smtClean="0"/>
-              <a:t>, :</a:t>
-            </a:r>
-            <a:r>
-              <a:rPr lang="tr-TR" sz="1900" b="1" dirty="0" err="1" smtClean="0"/>
-              <a:t>class</a:t>
-            </a:r>
-            <a:r>
-              <a:rPr lang="tr-TR" sz="1900" b="1" dirty="0" smtClean="0"/>
-              <a:t> =&gt; '</a:t>
-            </a:r>
-            <a:r>
-              <a:rPr lang="tr-TR" sz="1900" b="1" dirty="0" err="1" smtClean="0"/>
-              <a:t>navbar</a:t>
-            </a:r>
-            <a:r>
-              <a:rPr lang="tr-TR" sz="1900" b="1" dirty="0" smtClean="0"/>
-              <a:t>-link'  %&gt;</a:t>
-            </a:r>
-          </a:p>
-          <a:p>
-            <a:pPr marL="457200" lvl="1" indent="0">
-              <a:buNone/>
-            </a:pPr>
-            <a:r>
-              <a:rPr lang="tr-TR" sz="1900" b="1" dirty="0" smtClean="0"/>
-              <a:t>&lt;% </a:t>
-            </a:r>
-            <a:r>
-              <a:rPr lang="tr-TR" sz="1900" b="1" dirty="0" err="1" smtClean="0"/>
-              <a:t>end</a:t>
-            </a:r>
-            <a:r>
-              <a:rPr lang="tr-TR" sz="1900" b="1" dirty="0" smtClean="0"/>
-              <a:t> %&gt;</a:t>
-            </a:r>
-          </a:p>
-          <a:p>
-            <a:pPr marL="457200" lvl="1" indent="0">
-              <a:buNone/>
-            </a:pPr>
-            <a:r>
-              <a:rPr lang="tr-TR" sz="1900" b="1" dirty="0" smtClean="0"/>
-              <a:t>&lt;/p&gt;</a:t>
-            </a:r>
-          </a:p>
-          <a:p>
+            <a:r>
+              <a:rPr lang="tr-TR" sz="1900" b="1" dirty="0" err="1"/>
+              <a:t>Search</a:t>
+            </a:r>
+            <a:r>
+              <a:rPr lang="tr-TR" sz="1900" b="1" dirty="0"/>
+              <a:t>&lt;/</a:t>
+            </a:r>
+            <a:r>
+              <a:rPr lang="tr-TR" sz="1900" b="1" dirty="0" err="1"/>
+              <a:t>button</a:t>
+            </a:r>
+            <a:r>
+              <a:rPr lang="tr-TR" sz="1900" b="1" dirty="0"/>
+              <a:t>&gt;    &lt;/form&gt;  &lt;/div&gt;&lt;/</a:t>
+            </a:r>
+            <a:r>
+              <a:rPr lang="tr-TR" sz="1900" b="1" dirty="0" err="1"/>
+              <a:t>nav</a:t>
+            </a:r>
+            <a:r>
+              <a:rPr lang="tr-TR" sz="1900" b="1" dirty="0"/>
+              <a:t>&gt;</a:t>
+            </a:r>
             <a:endParaRPr lang="tr-TR" dirty="0"/>
           </a:p>
         </p:txBody>
